--- a/ton_soundboard/static/editing buttons.pptx
+++ b/ton_soundboard/static/editing buttons.pptx
@@ -6,6 +6,10 @@
   </p:sldMasterIdLst>
   <p:sldIdLst>
     <p:sldId id="256" r:id="rId2"/>
+    <p:sldId id="257" r:id="rId3"/>
+    <p:sldId id="258" r:id="rId4"/>
+    <p:sldId id="259" r:id="rId5"/>
+    <p:sldId id="260" r:id="rId6"/>
   </p:sldIdLst>
   <p:sldSz cx="12192000" cy="6858000"/>
   <p:notesSz cx="6858000" cy="9144000"/>
@@ -104,6 +108,11 @@
       </a:defRPr>
     </a:lvl9pPr>
   </p:defaultTextStyle>
+  <p:extLst>
+    <p:ext uri="{EFAFB233-063F-42B5-8137-9DF3F51BA10A}">
+      <p15:sldGuideLst xmlns:p15="http://schemas.microsoft.com/office/powerpoint/2012/main"/>
+    </p:ext>
+  </p:extLst>
 </p:presentation>
 </file>
 
@@ -3002,8 +3011,8 @@
         </p:nvSpPr>
         <p:spPr>
           <a:xfrm>
-            <a:off x="2727846" y="2459504"/>
-            <a:ext cx="6736307" cy="1938992"/>
+            <a:off x="2981609" y="1536174"/>
+            <a:ext cx="6228782" cy="3785652"/>
           </a:xfrm>
           <a:prstGeom prst="rect">
             <a:avLst/>
@@ -3018,7 +3027,7 @@
           <a:p>
             <a:pPr algn="ctr" rtl="0"/>
             <a:r>
-              <a:rPr lang="en-US" sz="6000" b="1" dirty="0" smtClean="0">
+              <a:rPr lang="en-US" sz="8000" b="1" dirty="0" smtClean="0">
                 <a:ln w="28575">
                   <a:solidFill>
                     <a:schemeClr val="bg1"/>
@@ -3027,13 +3036,10 @@
                 <a:latin typeface="Gisha" panose="020B0502040204020203" pitchFamily="34" charset="-79"/>
                 <a:cs typeface="Gisha" panose="020B0502040204020203" pitchFamily="34" charset="-79"/>
               </a:rPr>
-              <a:t>My Name Is Eric</a:t>
-            </a:r>
-          </a:p>
-          <a:p>
-            <a:pPr algn="ctr" rtl="0"/>
-            <a:r>
-              <a:rPr lang="en-US" sz="6000" b="1" dirty="0" smtClean="0">
+              <a:t>My Name Is </a:t>
+            </a:r>
+            <a:r>
+              <a:rPr lang="en-US" sz="8000" b="1" dirty="0" smtClean="0">
                 <a:ln w="28575">
                   <a:solidFill>
                     <a:schemeClr val="bg1"/>
@@ -3042,9 +3048,21 @@
                 <a:latin typeface="Gisha" panose="020B0502040204020203" pitchFamily="34" charset="-79"/>
                 <a:cs typeface="Gisha" panose="020B0502040204020203" pitchFamily="34" charset="-79"/>
               </a:rPr>
-              <a:t>And I Play Thayne</a:t>
-            </a:r>
-            <a:endParaRPr lang="he-IL" sz="6000" b="1" dirty="0">
+              <a:t>Eric And </a:t>
+            </a:r>
+            <a:r>
+              <a:rPr lang="en-US" sz="8000" b="1" dirty="0" smtClean="0">
+                <a:ln w="28575">
+                  <a:solidFill>
+                    <a:schemeClr val="bg1"/>
+                  </a:solidFill>
+                </a:ln>
+                <a:latin typeface="Gisha" panose="020B0502040204020203" pitchFamily="34" charset="-79"/>
+                <a:cs typeface="Gisha" panose="020B0502040204020203" pitchFamily="34" charset="-79"/>
+              </a:rPr>
+              <a:t>I Play Thayne</a:t>
+            </a:r>
+            <a:endParaRPr lang="he-IL" sz="8000" b="1" dirty="0">
               <a:ln w="28575">
                 <a:solidFill>
                   <a:schemeClr val="bg1"/>
@@ -3060,6 +3078,543 @@
     <p:extLst>
       <p:ext uri="{BB962C8B-B14F-4D97-AF65-F5344CB8AC3E}">
         <p14:creationId xmlns:p14="http://schemas.microsoft.com/office/powerpoint/2010/main" val="3002946028"/>
+      </p:ext>
+    </p:extLst>
+  </p:cSld>
+  <p:clrMapOvr>
+    <a:masterClrMapping/>
+  </p:clrMapOvr>
+</p:sld>
+</file>
+
+<file path=ppt/slides/slide2.xml><?xml version="1.0" encoding="utf-8"?>
+<p:sld xmlns:a="http://schemas.openxmlformats.org/drawingml/2006/main" xmlns:r="http://schemas.openxmlformats.org/officeDocument/2006/relationships" xmlns:p="http://schemas.openxmlformats.org/presentationml/2006/main">
+  <p:cSld>
+    <p:spTree>
+      <p:nvGrpSpPr>
+        <p:cNvPr id="1" name=""/>
+        <p:cNvGrpSpPr/>
+        <p:nvPr/>
+      </p:nvGrpSpPr>
+      <p:grpSpPr>
+        <a:xfrm>
+          <a:off x="0" y="0"/>
+          <a:ext cx="0" cy="0"/>
+          <a:chOff x="0" y="0"/>
+          <a:chExt cx="0" cy="0"/>
+        </a:xfrm>
+      </p:grpSpPr>
+      <p:pic>
+        <p:nvPicPr>
+          <p:cNvPr id="2" name="Picture 1"/>
+          <p:cNvPicPr>
+            <a:picLocks noChangeAspect="1"/>
+          </p:cNvPicPr>
+          <p:nvPr/>
+        </p:nvPicPr>
+        <p:blipFill>
+          <a:blip r:embed="rId2">
+            <a:extLst>
+              <a:ext uri="{28A0092B-C50C-407E-A947-70E740481C1C}">
+                <a14:useLocalDpi xmlns:a14="http://schemas.microsoft.com/office/drawing/2010/main" val="0"/>
+              </a:ext>
+            </a:extLst>
+          </a:blip>
+          <a:stretch>
+            <a:fillRect/>
+          </a:stretch>
+        </p:blipFill>
+        <p:spPr>
+          <a:xfrm>
+            <a:off x="2667000" y="0"/>
+            <a:ext cx="6858000" cy="6858000"/>
+          </a:xfrm>
+          <a:prstGeom prst="rect">
+            <a:avLst/>
+          </a:prstGeom>
+        </p:spPr>
+      </p:pic>
+      <p:sp>
+        <p:nvSpPr>
+          <p:cNvPr id="6" name="TextBox 5"/>
+          <p:cNvSpPr txBox="1"/>
+          <p:nvPr/>
+        </p:nvSpPr>
+        <p:spPr>
+          <a:xfrm>
+            <a:off x="2981609" y="1536174"/>
+            <a:ext cx="6228782" cy="3785652"/>
+          </a:xfrm>
+          <a:prstGeom prst="rect">
+            <a:avLst/>
+          </a:prstGeom>
+          <a:noFill/>
+        </p:spPr>
+        <p:txBody>
+          <a:bodyPr wrap="square" rtlCol="1">
+            <a:spAutoFit/>
+          </a:bodyPr>
+          <a:lstStyle/>
+          <a:p>
+            <a:pPr algn="ctr" rtl="0"/>
+            <a:r>
+              <a:rPr lang="en-US" sz="8000" b="1" dirty="0" smtClean="0">
+                <a:ln w="28575">
+                  <a:solidFill>
+                    <a:schemeClr val="bg1"/>
+                  </a:solidFill>
+                </a:ln>
+                <a:latin typeface="Gisha" panose="020B0502040204020203" pitchFamily="34" charset="-79"/>
+                <a:cs typeface="Gisha" panose="020B0502040204020203" pitchFamily="34" charset="-79"/>
+              </a:rPr>
+              <a:t>My Name Is </a:t>
+            </a:r>
+            <a:r>
+              <a:rPr lang="en-US" sz="8000" b="1" dirty="0" smtClean="0">
+                <a:ln w="28575">
+                  <a:solidFill>
+                    <a:schemeClr val="bg1"/>
+                  </a:solidFill>
+                </a:ln>
+                <a:latin typeface="Gisha" panose="020B0502040204020203" pitchFamily="34" charset="-79"/>
+                <a:cs typeface="Gisha" panose="020B0502040204020203" pitchFamily="34" charset="-79"/>
+              </a:rPr>
+              <a:t>Kelsy And </a:t>
+            </a:r>
+            <a:r>
+              <a:rPr lang="en-US" sz="8000" b="1" dirty="0" smtClean="0">
+                <a:ln w="28575">
+                  <a:solidFill>
+                    <a:schemeClr val="bg1"/>
+                  </a:solidFill>
+                </a:ln>
+                <a:latin typeface="Gisha" panose="020B0502040204020203" pitchFamily="34" charset="-79"/>
+                <a:cs typeface="Gisha" panose="020B0502040204020203" pitchFamily="34" charset="-79"/>
+              </a:rPr>
+              <a:t>I Play </a:t>
+            </a:r>
+            <a:r>
+              <a:rPr lang="en-US" sz="8000" b="1" dirty="0" smtClean="0">
+                <a:ln w="28575">
+                  <a:solidFill>
+                    <a:schemeClr val="bg1"/>
+                  </a:solidFill>
+                </a:ln>
+                <a:latin typeface="Gisha" panose="020B0502040204020203" pitchFamily="34" charset="-79"/>
+                <a:cs typeface="Gisha" panose="020B0502040204020203" pitchFamily="34" charset="-79"/>
+              </a:rPr>
+              <a:t>Kirin</a:t>
+            </a:r>
+            <a:endParaRPr lang="he-IL" sz="8000" b="1" dirty="0">
+              <a:ln w="28575">
+                <a:solidFill>
+                  <a:schemeClr val="bg1"/>
+                </a:solidFill>
+              </a:ln>
+              <a:latin typeface="Gisha" panose="020B0502040204020203" pitchFamily="34" charset="-79"/>
+              <a:cs typeface="Gisha" panose="020B0502040204020203" pitchFamily="34" charset="-79"/>
+            </a:endParaRPr>
+          </a:p>
+        </p:txBody>
+      </p:sp>
+    </p:spTree>
+    <p:extLst>
+      <p:ext uri="{BB962C8B-B14F-4D97-AF65-F5344CB8AC3E}">
+        <p14:creationId xmlns:p14="http://schemas.microsoft.com/office/powerpoint/2010/main" val="2254665997"/>
+      </p:ext>
+    </p:extLst>
+  </p:cSld>
+  <p:clrMapOvr>
+    <a:masterClrMapping/>
+  </p:clrMapOvr>
+</p:sld>
+</file>
+
+<file path=ppt/slides/slide3.xml><?xml version="1.0" encoding="utf-8"?>
+<p:sld xmlns:a="http://schemas.openxmlformats.org/drawingml/2006/main" xmlns:r="http://schemas.openxmlformats.org/officeDocument/2006/relationships" xmlns:p="http://schemas.openxmlformats.org/presentationml/2006/main">
+  <p:cSld>
+    <p:spTree>
+      <p:nvGrpSpPr>
+        <p:cNvPr id="1" name=""/>
+        <p:cNvGrpSpPr/>
+        <p:nvPr/>
+      </p:nvGrpSpPr>
+      <p:grpSpPr>
+        <a:xfrm>
+          <a:off x="0" y="0"/>
+          <a:ext cx="0" cy="0"/>
+          <a:chOff x="0" y="0"/>
+          <a:chExt cx="0" cy="0"/>
+        </a:xfrm>
+      </p:grpSpPr>
+      <p:pic>
+        <p:nvPicPr>
+          <p:cNvPr id="4" name="Picture 3"/>
+          <p:cNvPicPr>
+            <a:picLocks noChangeAspect="1"/>
+          </p:cNvPicPr>
+          <p:nvPr/>
+        </p:nvPicPr>
+        <p:blipFill>
+          <a:blip r:embed="rId2">
+            <a:extLst>
+              <a:ext uri="{28A0092B-C50C-407E-A947-70E740481C1C}">
+                <a14:useLocalDpi xmlns:a14="http://schemas.microsoft.com/office/drawing/2010/main" val="0"/>
+              </a:ext>
+            </a:extLst>
+          </a:blip>
+          <a:stretch>
+            <a:fillRect/>
+          </a:stretch>
+        </p:blipFill>
+        <p:spPr>
+          <a:xfrm>
+            <a:off x="2667000" y="0"/>
+            <a:ext cx="6858000" cy="6858000"/>
+          </a:xfrm>
+          <a:prstGeom prst="rect">
+            <a:avLst/>
+          </a:prstGeom>
+        </p:spPr>
+      </p:pic>
+      <p:sp>
+        <p:nvSpPr>
+          <p:cNvPr id="5" name="TextBox 4"/>
+          <p:cNvSpPr txBox="1"/>
+          <p:nvPr/>
+        </p:nvSpPr>
+        <p:spPr>
+          <a:xfrm>
+            <a:off x="2981609" y="1536174"/>
+            <a:ext cx="6228782" cy="3785652"/>
+          </a:xfrm>
+          <a:prstGeom prst="rect">
+            <a:avLst/>
+          </a:prstGeom>
+          <a:noFill/>
+        </p:spPr>
+        <p:txBody>
+          <a:bodyPr wrap="square" rtlCol="1">
+            <a:spAutoFit/>
+          </a:bodyPr>
+          <a:lstStyle/>
+          <a:p>
+            <a:pPr algn="ctr" rtl="0"/>
+            <a:r>
+              <a:rPr lang="en-US" sz="8000" b="1" dirty="0" smtClean="0">
+                <a:ln w="28575">
+                  <a:solidFill>
+                    <a:schemeClr val="bg1"/>
+                  </a:solidFill>
+                </a:ln>
+                <a:latin typeface="Gisha" panose="020B0502040204020203" pitchFamily="34" charset="-79"/>
+                <a:cs typeface="Gisha" panose="020B0502040204020203" pitchFamily="34" charset="-79"/>
+              </a:rPr>
+              <a:t>My Name Is </a:t>
+            </a:r>
+            <a:r>
+              <a:rPr lang="en-US" sz="8000" b="1" dirty="0" smtClean="0">
+                <a:ln w="28575">
+                  <a:solidFill>
+                    <a:schemeClr val="bg1"/>
+                  </a:solidFill>
+                </a:ln>
+                <a:latin typeface="Gisha" panose="020B0502040204020203" pitchFamily="34" charset="-79"/>
+                <a:cs typeface="Gisha" panose="020B0502040204020203" pitchFamily="34" charset="-79"/>
+              </a:rPr>
+              <a:t>Spencer And </a:t>
+            </a:r>
+            <a:r>
+              <a:rPr lang="en-US" sz="8000" b="1" dirty="0" smtClean="0">
+                <a:ln w="28575">
+                  <a:solidFill>
+                    <a:schemeClr val="bg1"/>
+                  </a:solidFill>
+                </a:ln>
+                <a:latin typeface="Gisha" panose="020B0502040204020203" pitchFamily="34" charset="-79"/>
+                <a:cs typeface="Gisha" panose="020B0502040204020203" pitchFamily="34" charset="-79"/>
+              </a:rPr>
+              <a:t>I Play </a:t>
+            </a:r>
+            <a:r>
+              <a:rPr lang="en-US" sz="8000" b="1" dirty="0" err="1" smtClean="0">
+                <a:ln w="28575">
+                  <a:solidFill>
+                    <a:schemeClr val="bg1"/>
+                  </a:solidFill>
+                </a:ln>
+                <a:latin typeface="Gisha" panose="020B0502040204020203" pitchFamily="34" charset="-79"/>
+                <a:cs typeface="Gisha" panose="020B0502040204020203" pitchFamily="34" charset="-79"/>
+              </a:rPr>
+              <a:t>Issac</a:t>
+            </a:r>
+            <a:endParaRPr lang="he-IL" sz="8000" b="1" dirty="0">
+              <a:ln w="28575">
+                <a:solidFill>
+                  <a:schemeClr val="bg1"/>
+                </a:solidFill>
+              </a:ln>
+              <a:latin typeface="Gisha" panose="020B0502040204020203" pitchFamily="34" charset="-79"/>
+              <a:cs typeface="Gisha" panose="020B0502040204020203" pitchFamily="34" charset="-79"/>
+            </a:endParaRPr>
+          </a:p>
+        </p:txBody>
+      </p:sp>
+    </p:spTree>
+    <p:extLst>
+      <p:ext uri="{BB962C8B-B14F-4D97-AF65-F5344CB8AC3E}">
+        <p14:creationId xmlns:p14="http://schemas.microsoft.com/office/powerpoint/2010/main" val="3993101094"/>
+      </p:ext>
+    </p:extLst>
+  </p:cSld>
+  <p:clrMapOvr>
+    <a:masterClrMapping/>
+  </p:clrMapOvr>
+</p:sld>
+</file>
+
+<file path=ppt/slides/slide4.xml><?xml version="1.0" encoding="utf-8"?>
+<p:sld xmlns:a="http://schemas.openxmlformats.org/drawingml/2006/main" xmlns:r="http://schemas.openxmlformats.org/officeDocument/2006/relationships" xmlns:p="http://schemas.openxmlformats.org/presentationml/2006/main">
+  <p:cSld>
+    <p:spTree>
+      <p:nvGrpSpPr>
+        <p:cNvPr id="1" name=""/>
+        <p:cNvGrpSpPr/>
+        <p:nvPr/>
+      </p:nvGrpSpPr>
+      <p:grpSpPr>
+        <a:xfrm>
+          <a:off x="0" y="0"/>
+          <a:ext cx="0" cy="0"/>
+          <a:chOff x="0" y="0"/>
+          <a:chExt cx="0" cy="0"/>
+        </a:xfrm>
+      </p:grpSpPr>
+      <p:pic>
+        <p:nvPicPr>
+          <p:cNvPr id="4" name="Picture 3"/>
+          <p:cNvPicPr>
+            <a:picLocks noChangeAspect="1"/>
+          </p:cNvPicPr>
+          <p:nvPr/>
+        </p:nvPicPr>
+        <p:blipFill>
+          <a:blip r:embed="rId2">
+            <a:extLst>
+              <a:ext uri="{28A0092B-C50C-407E-A947-70E740481C1C}">
+                <a14:useLocalDpi xmlns:a14="http://schemas.microsoft.com/office/drawing/2010/main" val="0"/>
+              </a:ext>
+            </a:extLst>
+          </a:blip>
+          <a:stretch>
+            <a:fillRect/>
+          </a:stretch>
+        </p:blipFill>
+        <p:spPr>
+          <a:xfrm>
+            <a:off x="2667000" y="0"/>
+            <a:ext cx="6858000" cy="6858000"/>
+          </a:xfrm>
+          <a:prstGeom prst="rect">
+            <a:avLst/>
+          </a:prstGeom>
+        </p:spPr>
+      </p:pic>
+      <p:sp>
+        <p:nvSpPr>
+          <p:cNvPr id="5" name="TextBox 4"/>
+          <p:cNvSpPr txBox="1"/>
+          <p:nvPr/>
+        </p:nvSpPr>
+        <p:spPr>
+          <a:xfrm>
+            <a:off x="2981609" y="843677"/>
+            <a:ext cx="6228782" cy="5170646"/>
+          </a:xfrm>
+          <a:prstGeom prst="rect">
+            <a:avLst/>
+          </a:prstGeom>
+          <a:noFill/>
+        </p:spPr>
+        <p:txBody>
+          <a:bodyPr wrap="square" rtlCol="1">
+            <a:spAutoFit/>
+          </a:bodyPr>
+          <a:lstStyle/>
+          <a:p>
+            <a:pPr algn="ctr" rtl="0"/>
+            <a:r>
+              <a:rPr lang="en-US" sz="6600" b="1" dirty="0" smtClean="0">
+                <a:ln w="28575">
+                  <a:solidFill>
+                    <a:schemeClr val="bg1"/>
+                  </a:solidFill>
+                </a:ln>
+                <a:latin typeface="Gisha" panose="020B0502040204020203" pitchFamily="34" charset="-79"/>
+                <a:cs typeface="Gisha" panose="020B0502040204020203" pitchFamily="34" charset="-79"/>
+              </a:rPr>
+              <a:t>My Name Is </a:t>
+            </a:r>
+            <a:r>
+              <a:rPr lang="en-US" sz="6600" b="1" dirty="0" smtClean="0">
+                <a:ln w="28575">
+                  <a:solidFill>
+                    <a:schemeClr val="bg1"/>
+                  </a:solidFill>
+                </a:ln>
+                <a:latin typeface="Gisha" panose="020B0502040204020203" pitchFamily="34" charset="-79"/>
+                <a:cs typeface="Gisha" panose="020B0502040204020203" pitchFamily="34" charset="-79"/>
+              </a:rPr>
+              <a:t>Alex And </a:t>
+            </a:r>
+            <a:r>
+              <a:rPr lang="en-US" sz="6600" b="1" dirty="0" smtClean="0">
+                <a:ln w="28575">
+                  <a:solidFill>
+                    <a:schemeClr val="bg1"/>
+                  </a:solidFill>
+                </a:ln>
+                <a:latin typeface="Gisha" panose="020B0502040204020203" pitchFamily="34" charset="-79"/>
+                <a:cs typeface="Gisha" panose="020B0502040204020203" pitchFamily="34" charset="-79"/>
+              </a:rPr>
+              <a:t>I Play </a:t>
+            </a:r>
+            <a:r>
+              <a:rPr lang="en-US" sz="6600" b="1" dirty="0" smtClean="0">
+                <a:ln w="28575">
+                  <a:solidFill>
+                    <a:schemeClr val="bg1"/>
+                  </a:solidFill>
+                </a:ln>
+                <a:latin typeface="Gisha" panose="020B0502040204020203" pitchFamily="34" charset="-79"/>
+                <a:cs typeface="Gisha" panose="020B0502040204020203" pitchFamily="34" charset="-79"/>
+              </a:rPr>
+              <a:t>Chuck “The Midnight” Hondooo</a:t>
+            </a:r>
+            <a:endParaRPr lang="he-IL" sz="6600" b="1" dirty="0">
+              <a:ln w="28575">
+                <a:solidFill>
+                  <a:schemeClr val="bg1"/>
+                </a:solidFill>
+              </a:ln>
+              <a:latin typeface="Gisha" panose="020B0502040204020203" pitchFamily="34" charset="-79"/>
+              <a:cs typeface="Gisha" panose="020B0502040204020203" pitchFamily="34" charset="-79"/>
+            </a:endParaRPr>
+          </a:p>
+        </p:txBody>
+      </p:sp>
+    </p:spTree>
+    <p:extLst>
+      <p:ext uri="{BB962C8B-B14F-4D97-AF65-F5344CB8AC3E}">
+        <p14:creationId xmlns:p14="http://schemas.microsoft.com/office/powerpoint/2010/main" val="1300055277"/>
+      </p:ext>
+    </p:extLst>
+  </p:cSld>
+  <p:clrMapOvr>
+    <a:masterClrMapping/>
+  </p:clrMapOvr>
+</p:sld>
+</file>
+
+<file path=ppt/slides/slide5.xml><?xml version="1.0" encoding="utf-8"?>
+<p:sld xmlns:a="http://schemas.openxmlformats.org/drawingml/2006/main" xmlns:r="http://schemas.openxmlformats.org/officeDocument/2006/relationships" xmlns:p="http://schemas.openxmlformats.org/presentationml/2006/main">
+  <p:cSld>
+    <p:spTree>
+      <p:nvGrpSpPr>
+        <p:cNvPr id="1" name=""/>
+        <p:cNvGrpSpPr/>
+        <p:nvPr/>
+      </p:nvGrpSpPr>
+      <p:grpSpPr>
+        <a:xfrm>
+          <a:off x="0" y="0"/>
+          <a:ext cx="0" cy="0"/>
+          <a:chOff x="0" y="0"/>
+          <a:chExt cx="0" cy="0"/>
+        </a:xfrm>
+      </p:grpSpPr>
+      <p:pic>
+        <p:nvPicPr>
+          <p:cNvPr id="4" name="Picture 3"/>
+          <p:cNvPicPr>
+            <a:picLocks noChangeAspect="1"/>
+          </p:cNvPicPr>
+          <p:nvPr/>
+        </p:nvPicPr>
+        <p:blipFill>
+          <a:blip r:embed="rId2">
+            <a:extLst>
+              <a:ext uri="{28A0092B-C50C-407E-A947-70E740481C1C}">
+                <a14:useLocalDpi xmlns:a14="http://schemas.microsoft.com/office/drawing/2010/main" val="0"/>
+              </a:ext>
+            </a:extLst>
+          </a:blip>
+          <a:stretch>
+            <a:fillRect/>
+          </a:stretch>
+        </p:blipFill>
+        <p:spPr>
+          <a:xfrm>
+            <a:off x="2667000" y="0"/>
+            <a:ext cx="6858000" cy="6858000"/>
+          </a:xfrm>
+          <a:prstGeom prst="rect">
+            <a:avLst/>
+          </a:prstGeom>
+          <a:noFill/>
+        </p:spPr>
+      </p:pic>
+      <p:sp>
+        <p:nvSpPr>
+          <p:cNvPr id="5" name="TextBox 4"/>
+          <p:cNvSpPr txBox="1"/>
+          <p:nvPr/>
+        </p:nvSpPr>
+        <p:spPr>
+          <a:xfrm>
+            <a:off x="2878327" y="2274838"/>
+            <a:ext cx="6435346" cy="2308324"/>
+          </a:xfrm>
+          <a:prstGeom prst="rect">
+            <a:avLst/>
+          </a:prstGeom>
+          <a:noFill/>
+        </p:spPr>
+        <p:txBody>
+          <a:bodyPr wrap="square" rtlCol="1">
+            <a:spAutoFit/>
+          </a:bodyPr>
+          <a:lstStyle/>
+          <a:p>
+            <a:pPr algn="ctr" rtl="0"/>
+            <a:r>
+              <a:rPr lang="en-US" sz="7200" b="1" dirty="0" smtClean="0">
+                <a:ln w="28575">
+                  <a:solidFill>
+                    <a:schemeClr val="bg1"/>
+                  </a:solidFill>
+                </a:ln>
+                <a:latin typeface="Gisha" panose="020B0502040204020203" pitchFamily="34" charset="-79"/>
+                <a:cs typeface="Gisha" panose="020B0502040204020203" pitchFamily="34" charset="-79"/>
+              </a:rPr>
+              <a:t>Last But Not Least – Joshua</a:t>
+            </a:r>
+            <a:endParaRPr lang="he-IL" sz="7200" b="1" dirty="0">
+              <a:ln w="28575">
+                <a:solidFill>
+                  <a:schemeClr val="bg1"/>
+                </a:solidFill>
+              </a:ln>
+              <a:latin typeface="Gisha" panose="020B0502040204020203" pitchFamily="34" charset="-79"/>
+              <a:cs typeface="Gisha" panose="020B0502040204020203" pitchFamily="34" charset="-79"/>
+            </a:endParaRPr>
+          </a:p>
+        </p:txBody>
+      </p:sp>
+    </p:spTree>
+    <p:extLst>
+      <p:ext uri="{BB962C8B-B14F-4D97-AF65-F5344CB8AC3E}">
+        <p14:creationId xmlns:p14="http://schemas.microsoft.com/office/powerpoint/2010/main" val="1914949874"/>
       </p:ext>
     </p:extLst>
   </p:cSld>

--- a/ton_soundboard/static/editing buttons.pptx
+++ b/ton_soundboard/static/editing buttons.pptx
@@ -10,6 +10,14 @@
     <p:sldId id="258" r:id="rId4"/>
     <p:sldId id="259" r:id="rId5"/>
     <p:sldId id="260" r:id="rId6"/>
+    <p:sldId id="263" r:id="rId7"/>
+    <p:sldId id="267" r:id="rId8"/>
+    <p:sldId id="268" r:id="rId9"/>
+    <p:sldId id="269" r:id="rId10"/>
+    <p:sldId id="270" r:id="rId11"/>
+    <p:sldId id="271" r:id="rId12"/>
+    <p:sldId id="272" r:id="rId13"/>
+    <p:sldId id="273" r:id="rId14"/>
   </p:sldIdLst>
   <p:sldSz cx="12192000" cy="6858000"/>
   <p:notesSz cx="6858000" cy="9144000"/>
@@ -247,7 +255,7 @@
           <a:p>
             <a:fld id="{554CE385-AC8C-4CCE-A06B-FC5283D44AAA}" type="datetimeFigureOut">
               <a:rPr lang="he-IL" smtClean="0"/>
-              <a:t>ב'/תשרי/תשפ"א</a:t>
+              <a:t>ו'/תשרי/תשפ"א</a:t>
             </a:fld>
             <a:endParaRPr lang="he-IL"/>
           </a:p>
@@ -417,7 +425,7 @@
           <a:p>
             <a:fld id="{554CE385-AC8C-4CCE-A06B-FC5283D44AAA}" type="datetimeFigureOut">
               <a:rPr lang="he-IL" smtClean="0"/>
-              <a:t>ב'/תשרי/תשפ"א</a:t>
+              <a:t>ו'/תשרי/תשפ"א</a:t>
             </a:fld>
             <a:endParaRPr lang="he-IL"/>
           </a:p>
@@ -597,7 +605,7 @@
           <a:p>
             <a:fld id="{554CE385-AC8C-4CCE-A06B-FC5283D44AAA}" type="datetimeFigureOut">
               <a:rPr lang="he-IL" smtClean="0"/>
-              <a:t>ב'/תשרי/תשפ"א</a:t>
+              <a:t>ו'/תשרי/תשפ"א</a:t>
             </a:fld>
             <a:endParaRPr lang="he-IL"/>
           </a:p>
@@ -767,7 +775,7 @@
           <a:p>
             <a:fld id="{554CE385-AC8C-4CCE-A06B-FC5283D44AAA}" type="datetimeFigureOut">
               <a:rPr lang="he-IL" smtClean="0"/>
-              <a:t>ב'/תשרי/תשפ"א</a:t>
+              <a:t>ו'/תשרי/תשפ"א</a:t>
             </a:fld>
             <a:endParaRPr lang="he-IL"/>
           </a:p>
@@ -1013,7 +1021,7 @@
           <a:p>
             <a:fld id="{554CE385-AC8C-4CCE-A06B-FC5283D44AAA}" type="datetimeFigureOut">
               <a:rPr lang="he-IL" smtClean="0"/>
-              <a:t>ב'/תשרי/תשפ"א</a:t>
+              <a:t>ו'/תשרי/תשפ"א</a:t>
             </a:fld>
             <a:endParaRPr lang="he-IL"/>
           </a:p>
@@ -1245,7 +1253,7 @@
           <a:p>
             <a:fld id="{554CE385-AC8C-4CCE-A06B-FC5283D44AAA}" type="datetimeFigureOut">
               <a:rPr lang="he-IL" smtClean="0"/>
-              <a:t>ב'/תשרי/תשפ"א</a:t>
+              <a:t>ו'/תשרי/תשפ"א</a:t>
             </a:fld>
             <a:endParaRPr lang="he-IL"/>
           </a:p>
@@ -1612,7 +1620,7 @@
           <a:p>
             <a:fld id="{554CE385-AC8C-4CCE-A06B-FC5283D44AAA}" type="datetimeFigureOut">
               <a:rPr lang="he-IL" smtClean="0"/>
-              <a:t>ב'/תשרי/תשפ"א</a:t>
+              <a:t>ו'/תשרי/תשפ"א</a:t>
             </a:fld>
             <a:endParaRPr lang="he-IL"/>
           </a:p>
@@ -1730,7 +1738,7 @@
           <a:p>
             <a:fld id="{554CE385-AC8C-4CCE-A06B-FC5283D44AAA}" type="datetimeFigureOut">
               <a:rPr lang="he-IL" smtClean="0"/>
-              <a:t>ב'/תשרי/תשפ"א</a:t>
+              <a:t>ו'/תשרי/תשפ"א</a:t>
             </a:fld>
             <a:endParaRPr lang="he-IL"/>
           </a:p>
@@ -1825,7 +1833,7 @@
           <a:p>
             <a:fld id="{554CE385-AC8C-4CCE-A06B-FC5283D44AAA}" type="datetimeFigureOut">
               <a:rPr lang="he-IL" smtClean="0"/>
-              <a:t>ב'/תשרי/תשפ"א</a:t>
+              <a:t>ו'/תשרי/תשפ"א</a:t>
             </a:fld>
             <a:endParaRPr lang="he-IL"/>
           </a:p>
@@ -2102,7 +2110,7 @@
           <a:p>
             <a:fld id="{554CE385-AC8C-4CCE-A06B-FC5283D44AAA}" type="datetimeFigureOut">
               <a:rPr lang="he-IL" smtClean="0"/>
-              <a:t>ב'/תשרי/תשפ"א</a:t>
+              <a:t>ו'/תשרי/תשפ"א</a:t>
             </a:fld>
             <a:endParaRPr lang="he-IL"/>
           </a:p>
@@ -2355,7 +2363,7 @@
           <a:p>
             <a:fld id="{554CE385-AC8C-4CCE-A06B-FC5283D44AAA}" type="datetimeFigureOut">
               <a:rPr lang="he-IL" smtClean="0"/>
-              <a:t>ב'/תשרי/תשפ"א</a:t>
+              <a:t>ו'/תשרי/תשפ"א</a:t>
             </a:fld>
             <a:endParaRPr lang="he-IL"/>
           </a:p>
@@ -2568,7 +2576,7 @@
           <a:p>
             <a:fld id="{554CE385-AC8C-4CCE-A06B-FC5283D44AAA}" type="datetimeFigureOut">
               <a:rPr lang="he-IL" smtClean="0"/>
-              <a:t>ב'/תשרי/תשפ"א</a:t>
+              <a:t>ו'/תשרי/תשפ"א</a:t>
             </a:fld>
             <a:endParaRPr lang="he-IL"/>
           </a:p>
@@ -3036,8 +3044,103 @@
                 <a:latin typeface="Gisha" panose="020B0502040204020203" pitchFamily="34" charset="-79"/>
                 <a:cs typeface="Gisha" panose="020B0502040204020203" pitchFamily="34" charset="-79"/>
               </a:rPr>
-              <a:t>My Name Is </a:t>
-            </a:r>
+              <a:t>My Name Is Eric And I Play Thayne</a:t>
+            </a:r>
+            <a:endParaRPr lang="he-IL" sz="8000" b="1" dirty="0">
+              <a:ln w="28575">
+                <a:solidFill>
+                  <a:schemeClr val="bg1"/>
+                </a:solidFill>
+              </a:ln>
+              <a:latin typeface="Gisha" panose="020B0502040204020203" pitchFamily="34" charset="-79"/>
+              <a:cs typeface="Gisha" panose="020B0502040204020203" pitchFamily="34" charset="-79"/>
+            </a:endParaRPr>
+          </a:p>
+        </p:txBody>
+      </p:sp>
+    </p:spTree>
+    <p:extLst>
+      <p:ext uri="{BB962C8B-B14F-4D97-AF65-F5344CB8AC3E}">
+        <p14:creationId xmlns:p14="http://schemas.microsoft.com/office/powerpoint/2010/main" val="3002946028"/>
+      </p:ext>
+    </p:extLst>
+  </p:cSld>
+  <p:clrMapOvr>
+    <a:masterClrMapping/>
+  </p:clrMapOvr>
+</p:sld>
+</file>
+
+<file path=ppt/slides/slide10.xml><?xml version="1.0" encoding="utf-8"?>
+<p:sld xmlns:a="http://schemas.openxmlformats.org/drawingml/2006/main" xmlns:r="http://schemas.openxmlformats.org/officeDocument/2006/relationships" xmlns:p="http://schemas.openxmlformats.org/presentationml/2006/main">
+  <p:cSld>
+    <p:spTree>
+      <p:nvGrpSpPr>
+        <p:cNvPr id="1" name=""/>
+        <p:cNvGrpSpPr/>
+        <p:nvPr/>
+      </p:nvGrpSpPr>
+      <p:grpSpPr>
+        <a:xfrm>
+          <a:off x="0" y="0"/>
+          <a:ext cx="0" cy="0"/>
+          <a:chOff x="0" y="0"/>
+          <a:chExt cx="0" cy="0"/>
+        </a:xfrm>
+      </p:grpSpPr>
+      <p:pic>
+        <p:nvPicPr>
+          <p:cNvPr id="4" name="Picture 3"/>
+          <p:cNvPicPr>
+            <a:picLocks noChangeAspect="1"/>
+          </p:cNvPicPr>
+          <p:nvPr/>
+        </p:nvPicPr>
+        <p:blipFill>
+          <a:blip r:embed="rId2">
+            <a:extLst>
+              <a:ext uri="{28A0092B-C50C-407E-A947-70E740481C1C}">
+                <a14:useLocalDpi xmlns:a14="http://schemas.microsoft.com/office/drawing/2010/main" val="0"/>
+              </a:ext>
+            </a:extLst>
+          </a:blip>
+          <a:stretch>
+            <a:fillRect/>
+          </a:stretch>
+        </p:blipFill>
+        <p:spPr>
+          <a:xfrm>
+            <a:off x="2667000" y="0"/>
+            <a:ext cx="6858000" cy="6858000"/>
+          </a:xfrm>
+          <a:prstGeom prst="rect">
+            <a:avLst/>
+          </a:prstGeom>
+        </p:spPr>
+      </p:pic>
+      <p:sp>
+        <p:nvSpPr>
+          <p:cNvPr id="5" name="TextBox 4"/>
+          <p:cNvSpPr txBox="1"/>
+          <p:nvPr/>
+        </p:nvSpPr>
+        <p:spPr>
+          <a:xfrm>
+            <a:off x="2981609" y="1882423"/>
+            <a:ext cx="6228782" cy="3093154"/>
+          </a:xfrm>
+          <a:prstGeom prst="rect">
+            <a:avLst/>
+          </a:prstGeom>
+          <a:noFill/>
+        </p:spPr>
+        <p:txBody>
+          <a:bodyPr wrap="square" rtlCol="1">
+            <a:spAutoFit/>
+          </a:bodyPr>
+          <a:lstStyle/>
+          <a:p>
+            <a:pPr algn="ctr" rtl="0"/>
             <a:r>
               <a:rPr lang="en-US" sz="8000" b="1" dirty="0" smtClean="0">
                 <a:ln w="28575">
@@ -3048,10 +3151,13 @@
                 <a:latin typeface="Gisha" panose="020B0502040204020203" pitchFamily="34" charset="-79"/>
                 <a:cs typeface="Gisha" panose="020B0502040204020203" pitchFamily="34" charset="-79"/>
               </a:rPr>
-              <a:t>Eric And </a:t>
-            </a:r>
-            <a:r>
-              <a:rPr lang="en-US" sz="8000" b="1" dirty="0" smtClean="0">
+              <a:t>Hhhhaaa…</a:t>
+            </a:r>
+          </a:p>
+          <a:p>
+            <a:pPr algn="ctr" rtl="0"/>
+            <a:r>
+              <a:rPr lang="en-US" sz="11500" b="1" dirty="0" smtClean="0">
                 <a:ln w="28575">
                   <a:solidFill>
                     <a:schemeClr val="bg1"/>
@@ -3060,9 +3166,9 @@
                 <a:latin typeface="Gisha" panose="020B0502040204020203" pitchFamily="34" charset="-79"/>
                 <a:cs typeface="Gisha" panose="020B0502040204020203" pitchFamily="34" charset="-79"/>
               </a:rPr>
-              <a:t>I Play Thayne</a:t>
-            </a:r>
-            <a:endParaRPr lang="he-IL" sz="8000" b="1" dirty="0">
+              <a:t>Shit.</a:t>
+            </a:r>
+            <a:endParaRPr lang="he-IL" sz="11500" b="1" dirty="0">
               <a:ln w="28575">
                 <a:solidFill>
                   <a:schemeClr val="bg1"/>
@@ -3077,7 +3183,398 @@
     </p:spTree>
     <p:extLst>
       <p:ext uri="{BB962C8B-B14F-4D97-AF65-F5344CB8AC3E}">
-        <p14:creationId xmlns:p14="http://schemas.microsoft.com/office/powerpoint/2010/main" val="3002946028"/>
+        <p14:creationId xmlns:p14="http://schemas.microsoft.com/office/powerpoint/2010/main" val="1974055428"/>
+      </p:ext>
+    </p:extLst>
+  </p:cSld>
+  <p:clrMapOvr>
+    <a:masterClrMapping/>
+  </p:clrMapOvr>
+</p:sld>
+</file>
+
+<file path=ppt/slides/slide11.xml><?xml version="1.0" encoding="utf-8"?>
+<p:sld xmlns:a="http://schemas.openxmlformats.org/drawingml/2006/main" xmlns:r="http://schemas.openxmlformats.org/officeDocument/2006/relationships" xmlns:p="http://schemas.openxmlformats.org/presentationml/2006/main">
+  <p:cSld>
+    <p:spTree>
+      <p:nvGrpSpPr>
+        <p:cNvPr id="1" name=""/>
+        <p:cNvGrpSpPr/>
+        <p:nvPr/>
+      </p:nvGrpSpPr>
+      <p:grpSpPr>
+        <a:xfrm>
+          <a:off x="0" y="0"/>
+          <a:ext cx="0" cy="0"/>
+          <a:chOff x="0" y="0"/>
+          <a:chExt cx="0" cy="0"/>
+        </a:xfrm>
+      </p:grpSpPr>
+      <p:pic>
+        <p:nvPicPr>
+          <p:cNvPr id="4" name="Picture 3"/>
+          <p:cNvPicPr>
+            <a:picLocks noChangeAspect="1"/>
+          </p:cNvPicPr>
+          <p:nvPr/>
+        </p:nvPicPr>
+        <p:blipFill>
+          <a:blip r:embed="rId2">
+            <a:extLst>
+              <a:ext uri="{28A0092B-C50C-407E-A947-70E740481C1C}">
+                <a14:useLocalDpi xmlns:a14="http://schemas.microsoft.com/office/drawing/2010/main" val="0"/>
+              </a:ext>
+            </a:extLst>
+          </a:blip>
+          <a:stretch>
+            <a:fillRect/>
+          </a:stretch>
+        </p:blipFill>
+        <p:spPr>
+          <a:xfrm>
+            <a:off x="2667000" y="0"/>
+            <a:ext cx="6858000" cy="6858000"/>
+          </a:xfrm>
+          <a:prstGeom prst="rect">
+            <a:avLst/>
+          </a:prstGeom>
+        </p:spPr>
+      </p:pic>
+      <p:sp>
+        <p:nvSpPr>
+          <p:cNvPr id="5" name="TextBox 4"/>
+          <p:cNvSpPr txBox="1"/>
+          <p:nvPr/>
+        </p:nvSpPr>
+        <p:spPr>
+          <a:xfrm>
+            <a:off x="2878327" y="1905506"/>
+            <a:ext cx="6435346" cy="3046988"/>
+          </a:xfrm>
+          <a:prstGeom prst="rect">
+            <a:avLst/>
+          </a:prstGeom>
+          <a:noFill/>
+        </p:spPr>
+        <p:txBody>
+          <a:bodyPr wrap="square" rtlCol="1">
+            <a:spAutoFit/>
+          </a:bodyPr>
+          <a:lstStyle/>
+          <a:p>
+            <a:pPr algn="ctr" rtl="0"/>
+            <a:r>
+              <a:rPr lang="en-US" sz="9600" b="1" dirty="0" smtClean="0">
+                <a:ln w="28575">
+                  <a:solidFill>
+                    <a:schemeClr val="bg1"/>
+                  </a:solidFill>
+                </a:ln>
+                <a:latin typeface="Gisha" panose="020B0502040204020203" pitchFamily="34" charset="-79"/>
+                <a:cs typeface="Gisha" panose="020B0502040204020203" pitchFamily="34" charset="-79"/>
+              </a:rPr>
+              <a:t>Well </a:t>
+            </a:r>
+            <a:r>
+              <a:rPr lang="en-US" sz="9600" b="1" dirty="0" smtClean="0">
+                <a:ln w="28575">
+                  <a:solidFill>
+                    <a:schemeClr val="bg1"/>
+                  </a:solidFill>
+                </a:ln>
+                <a:latin typeface="Gisha" panose="020B0502040204020203" pitchFamily="34" charset="-79"/>
+                <a:cs typeface="Gisha" panose="020B0502040204020203" pitchFamily="34" charset="-79"/>
+              </a:rPr>
+              <a:t>son</a:t>
+            </a:r>
+            <a:br>
+              <a:rPr lang="en-US" sz="9600" b="1" dirty="0" smtClean="0">
+                <a:ln w="28575">
+                  <a:solidFill>
+                    <a:schemeClr val="bg1"/>
+                  </a:solidFill>
+                </a:ln>
+                <a:latin typeface="Gisha" panose="020B0502040204020203" pitchFamily="34" charset="-79"/>
+                <a:cs typeface="Gisha" panose="020B0502040204020203" pitchFamily="34" charset="-79"/>
+              </a:rPr>
+            </a:br>
+            <a:r>
+              <a:rPr lang="en-US" sz="9600" b="1" dirty="0" smtClean="0">
+                <a:ln w="28575">
+                  <a:solidFill>
+                    <a:schemeClr val="bg1"/>
+                  </a:solidFill>
+                </a:ln>
+                <a:latin typeface="Gisha" panose="020B0502040204020203" pitchFamily="34" charset="-79"/>
+                <a:cs typeface="Gisha" panose="020B0502040204020203" pitchFamily="34" charset="-79"/>
+              </a:rPr>
+              <a:t>of a </a:t>
+            </a:r>
+            <a:r>
+              <a:rPr lang="en-US" sz="9600" b="1" dirty="0" smtClean="0">
+                <a:ln w="28575">
+                  <a:solidFill>
+                    <a:schemeClr val="bg1"/>
+                  </a:solidFill>
+                </a:ln>
+                <a:latin typeface="Gisha" panose="020B0502040204020203" pitchFamily="34" charset="-79"/>
+                <a:cs typeface="Gisha" panose="020B0502040204020203" pitchFamily="34" charset="-79"/>
+              </a:rPr>
+              <a:t>bitch</a:t>
+            </a:r>
+            <a:endParaRPr lang="he-IL" sz="9600" b="1" dirty="0">
+              <a:ln w="28575">
+                <a:solidFill>
+                  <a:schemeClr val="bg1"/>
+                </a:solidFill>
+              </a:ln>
+              <a:latin typeface="Gisha" panose="020B0502040204020203" pitchFamily="34" charset="-79"/>
+              <a:cs typeface="Gisha" panose="020B0502040204020203" pitchFamily="34" charset="-79"/>
+            </a:endParaRPr>
+          </a:p>
+        </p:txBody>
+      </p:sp>
+    </p:spTree>
+    <p:extLst>
+      <p:ext uri="{BB962C8B-B14F-4D97-AF65-F5344CB8AC3E}">
+        <p14:creationId xmlns:p14="http://schemas.microsoft.com/office/powerpoint/2010/main" val="2825350850"/>
+      </p:ext>
+    </p:extLst>
+  </p:cSld>
+  <p:clrMapOvr>
+    <a:masterClrMapping/>
+  </p:clrMapOvr>
+</p:sld>
+</file>
+
+<file path=ppt/slides/slide12.xml><?xml version="1.0" encoding="utf-8"?>
+<p:sld xmlns:a="http://schemas.openxmlformats.org/drawingml/2006/main" xmlns:r="http://schemas.openxmlformats.org/officeDocument/2006/relationships" xmlns:p="http://schemas.openxmlformats.org/presentationml/2006/main">
+  <p:cSld>
+    <p:spTree>
+      <p:nvGrpSpPr>
+        <p:cNvPr id="1" name=""/>
+        <p:cNvGrpSpPr/>
+        <p:nvPr/>
+      </p:nvGrpSpPr>
+      <p:grpSpPr>
+        <a:xfrm>
+          <a:off x="0" y="0"/>
+          <a:ext cx="0" cy="0"/>
+          <a:chOff x="0" y="0"/>
+          <a:chExt cx="0" cy="0"/>
+        </a:xfrm>
+      </p:grpSpPr>
+      <p:pic>
+        <p:nvPicPr>
+          <p:cNvPr id="4" name="Picture 3"/>
+          <p:cNvPicPr>
+            <a:picLocks noChangeAspect="1"/>
+          </p:cNvPicPr>
+          <p:nvPr/>
+        </p:nvPicPr>
+        <p:blipFill>
+          <a:blip r:embed="rId2">
+            <a:extLst>
+              <a:ext uri="{28A0092B-C50C-407E-A947-70E740481C1C}">
+                <a14:useLocalDpi xmlns:a14="http://schemas.microsoft.com/office/drawing/2010/main" val="0"/>
+              </a:ext>
+            </a:extLst>
+          </a:blip>
+          <a:stretch>
+            <a:fillRect/>
+          </a:stretch>
+        </p:blipFill>
+        <p:spPr>
+          <a:xfrm>
+            <a:off x="2667000" y="0"/>
+            <a:ext cx="6858000" cy="6858000"/>
+          </a:xfrm>
+          <a:prstGeom prst="rect">
+            <a:avLst/>
+          </a:prstGeom>
+        </p:spPr>
+      </p:pic>
+      <p:sp>
+        <p:nvSpPr>
+          <p:cNvPr id="5" name="TextBox 4"/>
+          <p:cNvSpPr txBox="1"/>
+          <p:nvPr/>
+        </p:nvSpPr>
+        <p:spPr>
+          <a:xfrm>
+            <a:off x="2878327" y="1613118"/>
+            <a:ext cx="6435346" cy="3631763"/>
+          </a:xfrm>
+          <a:prstGeom prst="rect">
+            <a:avLst/>
+          </a:prstGeom>
+          <a:noFill/>
+        </p:spPr>
+        <p:txBody>
+          <a:bodyPr wrap="square" rtlCol="1">
+            <a:spAutoFit/>
+          </a:bodyPr>
+          <a:lstStyle/>
+          <a:p>
+            <a:pPr algn="ctr" rtl="0"/>
+            <a:r>
+              <a:rPr lang="en-US" sz="11500" b="1" dirty="0" smtClean="0">
+                <a:ln w="28575">
+                  <a:solidFill>
+                    <a:schemeClr val="bg1"/>
+                  </a:solidFill>
+                </a:ln>
+                <a:latin typeface="Gisha" panose="020B0502040204020203" pitchFamily="34" charset="-79"/>
+                <a:cs typeface="Gisha" panose="020B0502040204020203" pitchFamily="34" charset="-79"/>
+              </a:rPr>
+              <a:t>Son of</a:t>
+            </a:r>
+            <a:br>
+              <a:rPr lang="en-US" sz="11500" b="1" dirty="0" smtClean="0">
+                <a:ln w="28575">
+                  <a:solidFill>
+                    <a:schemeClr val="bg1"/>
+                  </a:solidFill>
+                </a:ln>
+                <a:latin typeface="Gisha" panose="020B0502040204020203" pitchFamily="34" charset="-79"/>
+                <a:cs typeface="Gisha" panose="020B0502040204020203" pitchFamily="34" charset="-79"/>
+              </a:rPr>
+            </a:br>
+            <a:r>
+              <a:rPr lang="en-US" sz="11500" b="1" dirty="0" smtClean="0">
+                <a:ln w="28575">
+                  <a:solidFill>
+                    <a:schemeClr val="bg1"/>
+                  </a:solidFill>
+                </a:ln>
+                <a:latin typeface="Gisha" panose="020B0502040204020203" pitchFamily="34" charset="-79"/>
+                <a:cs typeface="Gisha" panose="020B0502040204020203" pitchFamily="34" charset="-79"/>
+              </a:rPr>
+              <a:t>a dick</a:t>
+            </a:r>
+            <a:endParaRPr lang="he-IL" sz="11500" b="1" dirty="0">
+              <a:ln w="28575">
+                <a:solidFill>
+                  <a:schemeClr val="bg1"/>
+                </a:solidFill>
+              </a:ln>
+              <a:latin typeface="Gisha" panose="020B0502040204020203" pitchFamily="34" charset="-79"/>
+              <a:cs typeface="Gisha" panose="020B0502040204020203" pitchFamily="34" charset="-79"/>
+            </a:endParaRPr>
+          </a:p>
+        </p:txBody>
+      </p:sp>
+    </p:spTree>
+    <p:extLst>
+      <p:ext uri="{BB962C8B-B14F-4D97-AF65-F5344CB8AC3E}">
+        <p14:creationId xmlns:p14="http://schemas.microsoft.com/office/powerpoint/2010/main" val="1210602622"/>
+      </p:ext>
+    </p:extLst>
+  </p:cSld>
+  <p:clrMapOvr>
+    <a:masterClrMapping/>
+  </p:clrMapOvr>
+</p:sld>
+</file>
+
+<file path=ppt/slides/slide13.xml><?xml version="1.0" encoding="utf-8"?>
+<p:sld xmlns:a="http://schemas.openxmlformats.org/drawingml/2006/main" xmlns:r="http://schemas.openxmlformats.org/officeDocument/2006/relationships" xmlns:p="http://schemas.openxmlformats.org/presentationml/2006/main">
+  <p:cSld>
+    <p:spTree>
+      <p:nvGrpSpPr>
+        <p:cNvPr id="1" name=""/>
+        <p:cNvGrpSpPr/>
+        <p:nvPr/>
+      </p:nvGrpSpPr>
+      <p:grpSpPr>
+        <a:xfrm>
+          <a:off x="0" y="0"/>
+          <a:ext cx="0" cy="0"/>
+          <a:chOff x="0" y="0"/>
+          <a:chExt cx="0" cy="0"/>
+        </a:xfrm>
+      </p:grpSpPr>
+      <p:pic>
+        <p:nvPicPr>
+          <p:cNvPr id="4" name="Picture 3"/>
+          <p:cNvPicPr>
+            <a:picLocks noChangeAspect="1"/>
+          </p:cNvPicPr>
+          <p:nvPr/>
+        </p:nvPicPr>
+        <p:blipFill>
+          <a:blip r:embed="rId2">
+            <a:extLst>
+              <a:ext uri="{28A0092B-C50C-407E-A947-70E740481C1C}">
+                <a14:useLocalDpi xmlns:a14="http://schemas.microsoft.com/office/drawing/2010/main" val="0"/>
+              </a:ext>
+            </a:extLst>
+          </a:blip>
+          <a:stretch>
+            <a:fillRect/>
+          </a:stretch>
+        </p:blipFill>
+        <p:spPr>
+          <a:xfrm>
+            <a:off x="2667000" y="0"/>
+            <a:ext cx="6858000" cy="6858000"/>
+          </a:xfrm>
+          <a:prstGeom prst="rect">
+            <a:avLst/>
+          </a:prstGeom>
+        </p:spPr>
+      </p:pic>
+      <p:sp>
+        <p:nvSpPr>
+          <p:cNvPr id="5" name="TextBox 4"/>
+          <p:cNvSpPr txBox="1"/>
+          <p:nvPr/>
+        </p:nvSpPr>
+        <p:spPr>
+          <a:xfrm>
+            <a:off x="2981609" y="1613118"/>
+            <a:ext cx="6228782" cy="3631763"/>
+          </a:xfrm>
+          <a:prstGeom prst="rect">
+            <a:avLst/>
+          </a:prstGeom>
+          <a:noFill/>
+        </p:spPr>
+        <p:txBody>
+          <a:bodyPr wrap="square" rtlCol="1">
+            <a:spAutoFit/>
+          </a:bodyPr>
+          <a:lstStyle/>
+          <a:p>
+            <a:pPr algn="ctr" rtl="0"/>
+            <a:r>
+              <a:rPr lang="en-US" sz="11500" b="1" dirty="0" smtClean="0">
+                <a:ln w="28575">
+                  <a:solidFill>
+                    <a:schemeClr val="bg1"/>
+                  </a:solidFill>
+                </a:ln>
+                <a:latin typeface="Gisha" panose="020B0502040204020203" pitchFamily="34" charset="-79"/>
+                <a:cs typeface="Gisha" panose="020B0502040204020203" pitchFamily="34" charset="-79"/>
+              </a:rPr>
+              <a:t>You bastard</a:t>
+            </a:r>
+            <a:endParaRPr lang="he-IL" sz="11500" b="1" dirty="0">
+              <a:ln w="28575">
+                <a:solidFill>
+                  <a:schemeClr val="bg1"/>
+                </a:solidFill>
+              </a:ln>
+              <a:latin typeface="Gisha" panose="020B0502040204020203" pitchFamily="34" charset="-79"/>
+              <a:cs typeface="Gisha" panose="020B0502040204020203" pitchFamily="34" charset="-79"/>
+            </a:endParaRPr>
+          </a:p>
+        </p:txBody>
+      </p:sp>
+    </p:spTree>
+    <p:extLst>
+      <p:ext uri="{BB962C8B-B14F-4D97-AF65-F5344CB8AC3E}">
+        <p14:creationId xmlns:p14="http://schemas.microsoft.com/office/powerpoint/2010/main" val="3125191206"/>
       </p:ext>
     </p:extLst>
   </p:cSld>
@@ -3167,43 +3664,7 @@
                 <a:latin typeface="Gisha" panose="020B0502040204020203" pitchFamily="34" charset="-79"/>
                 <a:cs typeface="Gisha" panose="020B0502040204020203" pitchFamily="34" charset="-79"/>
               </a:rPr>
-              <a:t>My Name Is </a:t>
-            </a:r>
-            <a:r>
-              <a:rPr lang="en-US" sz="8000" b="1" dirty="0" smtClean="0">
-                <a:ln w="28575">
-                  <a:solidFill>
-                    <a:schemeClr val="bg1"/>
-                  </a:solidFill>
-                </a:ln>
-                <a:latin typeface="Gisha" panose="020B0502040204020203" pitchFamily="34" charset="-79"/>
-                <a:cs typeface="Gisha" panose="020B0502040204020203" pitchFamily="34" charset="-79"/>
-              </a:rPr>
-              <a:t>Kelsy And </a:t>
-            </a:r>
-            <a:r>
-              <a:rPr lang="en-US" sz="8000" b="1" dirty="0" smtClean="0">
-                <a:ln w="28575">
-                  <a:solidFill>
-                    <a:schemeClr val="bg1"/>
-                  </a:solidFill>
-                </a:ln>
-                <a:latin typeface="Gisha" panose="020B0502040204020203" pitchFamily="34" charset="-79"/>
-                <a:cs typeface="Gisha" panose="020B0502040204020203" pitchFamily="34" charset="-79"/>
-              </a:rPr>
-              <a:t>I Play </a:t>
-            </a:r>
-            <a:r>
-              <a:rPr lang="en-US" sz="8000" b="1" dirty="0" smtClean="0">
-                <a:ln w="28575">
-                  <a:solidFill>
-                    <a:schemeClr val="bg1"/>
-                  </a:solidFill>
-                </a:ln>
-                <a:latin typeface="Gisha" panose="020B0502040204020203" pitchFamily="34" charset="-79"/>
-                <a:cs typeface="Gisha" panose="020B0502040204020203" pitchFamily="34" charset="-79"/>
-              </a:rPr>
-              <a:t>Kirin</a:t>
+              <a:t>My Name Is Kelsy And I Play Kirin</a:t>
             </a:r>
             <a:endParaRPr lang="he-IL" sz="8000" b="1" dirty="0">
               <a:ln w="28575">
@@ -3310,31 +3771,7 @@
                 <a:latin typeface="Gisha" panose="020B0502040204020203" pitchFamily="34" charset="-79"/>
                 <a:cs typeface="Gisha" panose="020B0502040204020203" pitchFamily="34" charset="-79"/>
               </a:rPr>
-              <a:t>My Name Is </a:t>
-            </a:r>
-            <a:r>
-              <a:rPr lang="en-US" sz="8000" b="1" dirty="0" smtClean="0">
-                <a:ln w="28575">
-                  <a:solidFill>
-                    <a:schemeClr val="bg1"/>
-                  </a:solidFill>
-                </a:ln>
-                <a:latin typeface="Gisha" panose="020B0502040204020203" pitchFamily="34" charset="-79"/>
-                <a:cs typeface="Gisha" panose="020B0502040204020203" pitchFamily="34" charset="-79"/>
-              </a:rPr>
-              <a:t>Spencer And </a:t>
-            </a:r>
-            <a:r>
-              <a:rPr lang="en-US" sz="8000" b="1" dirty="0" smtClean="0">
-                <a:ln w="28575">
-                  <a:solidFill>
-                    <a:schemeClr val="bg1"/>
-                  </a:solidFill>
-                </a:ln>
-                <a:latin typeface="Gisha" panose="020B0502040204020203" pitchFamily="34" charset="-79"/>
-                <a:cs typeface="Gisha" panose="020B0502040204020203" pitchFamily="34" charset="-79"/>
-              </a:rPr>
-              <a:t>I Play </a:t>
+              <a:t>My Name Is Spencer And I Play </a:t>
             </a:r>
             <a:r>
               <a:rPr lang="en-US" sz="8000" b="1" dirty="0" err="1" smtClean="0">
@@ -3453,43 +3890,7 @@
                 <a:latin typeface="Gisha" panose="020B0502040204020203" pitchFamily="34" charset="-79"/>
                 <a:cs typeface="Gisha" panose="020B0502040204020203" pitchFamily="34" charset="-79"/>
               </a:rPr>
-              <a:t>My Name Is </a:t>
-            </a:r>
-            <a:r>
-              <a:rPr lang="en-US" sz="6600" b="1" dirty="0" smtClean="0">
-                <a:ln w="28575">
-                  <a:solidFill>
-                    <a:schemeClr val="bg1"/>
-                  </a:solidFill>
-                </a:ln>
-                <a:latin typeface="Gisha" panose="020B0502040204020203" pitchFamily="34" charset="-79"/>
-                <a:cs typeface="Gisha" panose="020B0502040204020203" pitchFamily="34" charset="-79"/>
-              </a:rPr>
-              <a:t>Alex And </a:t>
-            </a:r>
-            <a:r>
-              <a:rPr lang="en-US" sz="6600" b="1" dirty="0" smtClean="0">
-                <a:ln w="28575">
-                  <a:solidFill>
-                    <a:schemeClr val="bg1"/>
-                  </a:solidFill>
-                </a:ln>
-                <a:latin typeface="Gisha" panose="020B0502040204020203" pitchFamily="34" charset="-79"/>
-                <a:cs typeface="Gisha" panose="020B0502040204020203" pitchFamily="34" charset="-79"/>
-              </a:rPr>
-              <a:t>I Play </a:t>
-            </a:r>
-            <a:r>
-              <a:rPr lang="en-US" sz="6600" b="1" dirty="0" smtClean="0">
-                <a:ln w="28575">
-                  <a:solidFill>
-                    <a:schemeClr val="bg1"/>
-                  </a:solidFill>
-                </a:ln>
-                <a:latin typeface="Gisha" panose="020B0502040204020203" pitchFamily="34" charset="-79"/>
-                <a:cs typeface="Gisha" panose="020B0502040204020203" pitchFamily="34" charset="-79"/>
-              </a:rPr>
-              <a:t>Chuck “The Midnight” Hondooo</a:t>
+              <a:t>My Name Is Alex And I Play Chuck “The Midnight” Hondooo</a:t>
             </a:r>
             <a:endParaRPr lang="he-IL" sz="6600" b="1" dirty="0">
               <a:ln w="28575">
@@ -3517,6 +3918,235 @@
 </file>
 
 <file path=ppt/slides/slide5.xml><?xml version="1.0" encoding="utf-8"?>
+<p:sld xmlns:a="http://schemas.openxmlformats.org/drawingml/2006/main" xmlns:r="http://schemas.openxmlformats.org/officeDocument/2006/relationships" xmlns:p="http://schemas.openxmlformats.org/presentationml/2006/main">
+  <p:cSld>
+    <p:spTree>
+      <p:nvGrpSpPr>
+        <p:cNvPr id="1" name=""/>
+        <p:cNvGrpSpPr/>
+        <p:nvPr/>
+      </p:nvGrpSpPr>
+      <p:grpSpPr>
+        <a:xfrm>
+          <a:off x="0" y="0"/>
+          <a:ext cx="0" cy="0"/>
+          <a:chOff x="0" y="0"/>
+          <a:chExt cx="0" cy="0"/>
+        </a:xfrm>
+      </p:grpSpPr>
+      <p:pic>
+        <p:nvPicPr>
+          <p:cNvPr id="2" name="Picture 1"/>
+          <p:cNvPicPr>
+            <a:picLocks noChangeAspect="1"/>
+          </p:cNvPicPr>
+          <p:nvPr/>
+        </p:nvPicPr>
+        <p:blipFill rotWithShape="1">
+          <a:blip r:embed="rId2">
+            <a:extLst>
+              <a:ext uri="{28A0092B-C50C-407E-A947-70E740481C1C}">
+                <a14:useLocalDpi xmlns:a14="http://schemas.microsoft.com/office/drawing/2010/main" val="0"/>
+              </a:ext>
+            </a:extLst>
+          </a:blip>
+          <a:srcRect l="19649" r="10789"/>
+          <a:stretch/>
+        </p:blipFill>
+        <p:spPr>
+          <a:xfrm>
+            <a:off x="2667000" y="0"/>
+            <a:ext cx="6858000" cy="6858000"/>
+          </a:xfrm>
+          <a:prstGeom prst="rect">
+            <a:avLst/>
+          </a:prstGeom>
+        </p:spPr>
+      </p:pic>
+      <p:sp>
+        <p:nvSpPr>
+          <p:cNvPr id="5" name="TextBox 4"/>
+          <p:cNvSpPr txBox="1"/>
+          <p:nvPr/>
+        </p:nvSpPr>
+        <p:spPr>
+          <a:xfrm>
+            <a:off x="2878327" y="2274838"/>
+            <a:ext cx="6435346" cy="2308324"/>
+          </a:xfrm>
+          <a:prstGeom prst="rect">
+            <a:avLst/>
+          </a:prstGeom>
+          <a:noFill/>
+        </p:spPr>
+        <p:txBody>
+          <a:bodyPr wrap="square" rtlCol="1">
+            <a:spAutoFit/>
+          </a:bodyPr>
+          <a:lstStyle/>
+          <a:p>
+            <a:pPr algn="ctr" rtl="0"/>
+            <a:r>
+              <a:rPr lang="en-US" sz="7200" b="1" dirty="0" smtClean="0">
+                <a:ln w="28575">
+                  <a:solidFill>
+                    <a:schemeClr val="bg1"/>
+                  </a:solidFill>
+                </a:ln>
+                <a:latin typeface="Gisha" panose="020B0502040204020203" pitchFamily="34" charset="-79"/>
+                <a:cs typeface="Gisha" panose="020B0502040204020203" pitchFamily="34" charset="-79"/>
+              </a:rPr>
+              <a:t>Last But Not Least – Joshua</a:t>
+            </a:r>
+            <a:endParaRPr lang="he-IL" sz="7200" b="1" dirty="0">
+              <a:ln w="28575">
+                <a:solidFill>
+                  <a:schemeClr val="bg1"/>
+                </a:solidFill>
+              </a:ln>
+              <a:latin typeface="Gisha" panose="020B0502040204020203" pitchFamily="34" charset="-79"/>
+              <a:cs typeface="Gisha" panose="020B0502040204020203" pitchFamily="34" charset="-79"/>
+            </a:endParaRPr>
+          </a:p>
+        </p:txBody>
+      </p:sp>
+    </p:spTree>
+    <p:extLst>
+      <p:ext uri="{BB962C8B-B14F-4D97-AF65-F5344CB8AC3E}">
+        <p14:creationId xmlns:p14="http://schemas.microsoft.com/office/powerpoint/2010/main" val="1914949874"/>
+      </p:ext>
+    </p:extLst>
+  </p:cSld>
+  <p:clrMapOvr>
+    <a:masterClrMapping/>
+  </p:clrMapOvr>
+</p:sld>
+</file>
+
+<file path=ppt/slides/slide6.xml><?xml version="1.0" encoding="utf-8"?>
+<p:sld xmlns:a="http://schemas.openxmlformats.org/drawingml/2006/main" xmlns:r="http://schemas.openxmlformats.org/officeDocument/2006/relationships" xmlns:p="http://schemas.openxmlformats.org/presentationml/2006/main">
+  <p:cSld>
+    <p:spTree>
+      <p:nvGrpSpPr>
+        <p:cNvPr id="1" name=""/>
+        <p:cNvGrpSpPr/>
+        <p:nvPr/>
+      </p:nvGrpSpPr>
+      <p:grpSpPr>
+        <a:xfrm>
+          <a:off x="0" y="0"/>
+          <a:ext cx="0" cy="0"/>
+          <a:chOff x="0" y="0"/>
+          <a:chExt cx="0" cy="0"/>
+        </a:xfrm>
+      </p:grpSpPr>
+      <p:pic>
+        <p:nvPicPr>
+          <p:cNvPr id="6" name="Picture 5"/>
+          <p:cNvPicPr>
+            <a:picLocks noChangeAspect="1"/>
+          </p:cNvPicPr>
+          <p:nvPr/>
+        </p:nvPicPr>
+        <p:blipFill>
+          <a:blip r:embed="rId2">
+            <a:extLst>
+              <a:ext uri="{28A0092B-C50C-407E-A947-70E740481C1C}">
+                <a14:useLocalDpi xmlns:a14="http://schemas.microsoft.com/office/drawing/2010/main" val="0"/>
+              </a:ext>
+            </a:extLst>
+          </a:blip>
+          <a:stretch>
+            <a:fillRect/>
+          </a:stretch>
+        </p:blipFill>
+        <p:spPr>
+          <a:xfrm>
+            <a:off x="2667000" y="0"/>
+            <a:ext cx="6858000" cy="6858000"/>
+          </a:xfrm>
+          <a:prstGeom prst="rect">
+            <a:avLst/>
+          </a:prstGeom>
+          <a:noFill/>
+        </p:spPr>
+      </p:pic>
+      <p:sp>
+        <p:nvSpPr>
+          <p:cNvPr id="5" name="TextBox 4"/>
+          <p:cNvSpPr txBox="1"/>
+          <p:nvPr/>
+        </p:nvSpPr>
+        <p:spPr>
+          <a:xfrm>
+            <a:off x="2878327" y="2151727"/>
+            <a:ext cx="6435346" cy="2554545"/>
+          </a:xfrm>
+          <a:prstGeom prst="rect">
+            <a:avLst/>
+          </a:prstGeom>
+          <a:noFill/>
+        </p:spPr>
+        <p:txBody>
+          <a:bodyPr wrap="square" rtlCol="1">
+            <a:spAutoFit/>
+          </a:bodyPr>
+          <a:lstStyle/>
+          <a:p>
+            <a:pPr algn="ctr" rtl="0"/>
+            <a:r>
+              <a:rPr lang="en-US" sz="8000" b="1" dirty="0" smtClean="0">
+                <a:ln w="28575">
+                  <a:solidFill>
+                    <a:schemeClr val="bg1"/>
+                  </a:solidFill>
+                </a:ln>
+                <a:latin typeface="Gisha" panose="020B0502040204020203" pitchFamily="34" charset="-79"/>
+                <a:cs typeface="Gisha" panose="020B0502040204020203" pitchFamily="34" charset="-79"/>
+              </a:rPr>
+              <a:t>Hoowee</a:t>
+            </a:r>
+          </a:p>
+          <a:p>
+            <a:pPr algn="ctr" rtl="0"/>
+            <a:r>
+              <a:rPr lang="en-US" sz="8000" b="1" dirty="0" smtClean="0">
+                <a:ln w="28575">
+                  <a:solidFill>
+                    <a:schemeClr val="bg1"/>
+                  </a:solidFill>
+                </a:ln>
+                <a:latin typeface="Gisha" panose="020B0502040204020203" pitchFamily="34" charset="-79"/>
+                <a:cs typeface="Gisha" panose="020B0502040204020203" pitchFamily="34" charset="-79"/>
+              </a:rPr>
+              <a:t>Damn Girl</a:t>
+            </a:r>
+            <a:endParaRPr lang="he-IL" sz="8000" b="1" dirty="0">
+              <a:ln w="28575">
+                <a:solidFill>
+                  <a:schemeClr val="bg1"/>
+                </a:solidFill>
+              </a:ln>
+              <a:latin typeface="Gisha" panose="020B0502040204020203" pitchFamily="34" charset="-79"/>
+              <a:cs typeface="Gisha" panose="020B0502040204020203" pitchFamily="34" charset="-79"/>
+            </a:endParaRPr>
+          </a:p>
+        </p:txBody>
+      </p:sp>
+    </p:spTree>
+    <p:extLst>
+      <p:ext uri="{BB962C8B-B14F-4D97-AF65-F5344CB8AC3E}">
+        <p14:creationId xmlns:p14="http://schemas.microsoft.com/office/powerpoint/2010/main" val="1802296492"/>
+      </p:ext>
+    </p:extLst>
+  </p:cSld>
+  <p:clrMapOvr>
+    <a:masterClrMapping/>
+  </p:clrMapOvr>
+</p:sld>
+</file>
+
+<file path=ppt/slides/slide7.xml><?xml version="1.0" encoding="utf-8"?>
 <p:sld xmlns:a="http://schemas.openxmlformats.org/drawingml/2006/main" xmlns:r="http://schemas.openxmlformats.org/officeDocument/2006/relationships" xmlns:p="http://schemas.openxmlformats.org/presentationml/2006/main">
   <p:cSld>
     <p:spTree>
@@ -3561,7 +4191,6 @@
           <a:prstGeom prst="rect">
             <a:avLst/>
           </a:prstGeom>
-          <a:noFill/>
         </p:spPr>
       </p:pic>
       <p:sp>
@@ -3572,8 +4201,8 @@
         </p:nvSpPr>
         <p:spPr>
           <a:xfrm>
-            <a:off x="2878327" y="2274838"/>
-            <a:ext cx="6435346" cy="2308324"/>
+            <a:off x="2878327" y="2644170"/>
+            <a:ext cx="6435346" cy="1569660"/>
           </a:xfrm>
           <a:prstGeom prst="rect">
             <a:avLst/>
@@ -3588,7 +4217,7 @@
           <a:p>
             <a:pPr algn="ctr" rtl="0"/>
             <a:r>
-              <a:rPr lang="en-US" sz="7200" b="1" dirty="0" smtClean="0">
+              <a:rPr lang="en-US" sz="9600" b="1" dirty="0" smtClean="0">
                 <a:ln w="28575">
                   <a:solidFill>
                     <a:schemeClr val="bg1"/>
@@ -3597,9 +4226,9 @@
                 <a:latin typeface="Gisha" panose="020B0502040204020203" pitchFamily="34" charset="-79"/>
                 <a:cs typeface="Gisha" panose="020B0502040204020203" pitchFamily="34" charset="-79"/>
               </a:rPr>
-              <a:t>Last But Not Least – Joshua</a:t>
-            </a:r>
-            <a:endParaRPr lang="he-IL" sz="7200" b="1" dirty="0">
+              <a:t>Oh My</a:t>
+            </a:r>
+            <a:endParaRPr lang="he-IL" sz="9600" b="1" dirty="0">
               <a:ln w="28575">
                 <a:solidFill>
                   <a:schemeClr val="bg1"/>
@@ -3614,7 +4243,294 @@
     </p:spTree>
     <p:extLst>
       <p:ext uri="{BB962C8B-B14F-4D97-AF65-F5344CB8AC3E}">
-        <p14:creationId xmlns:p14="http://schemas.microsoft.com/office/powerpoint/2010/main" val="1914949874"/>
+        <p14:creationId xmlns:p14="http://schemas.microsoft.com/office/powerpoint/2010/main" val="4266081805"/>
+      </p:ext>
+    </p:extLst>
+  </p:cSld>
+  <p:clrMapOvr>
+    <a:masterClrMapping/>
+  </p:clrMapOvr>
+</p:sld>
+</file>
+
+<file path=ppt/slides/slide8.xml><?xml version="1.0" encoding="utf-8"?>
+<p:sld xmlns:a="http://schemas.openxmlformats.org/drawingml/2006/main" xmlns:r="http://schemas.openxmlformats.org/officeDocument/2006/relationships" xmlns:p="http://schemas.openxmlformats.org/presentationml/2006/main">
+  <p:cSld>
+    <p:spTree>
+      <p:nvGrpSpPr>
+        <p:cNvPr id="1" name=""/>
+        <p:cNvGrpSpPr/>
+        <p:nvPr/>
+      </p:nvGrpSpPr>
+      <p:grpSpPr>
+        <a:xfrm>
+          <a:off x="0" y="0"/>
+          <a:ext cx="0" cy="0"/>
+          <a:chOff x="0" y="0"/>
+          <a:chExt cx="0" cy="0"/>
+        </a:xfrm>
+      </p:grpSpPr>
+      <p:pic>
+        <p:nvPicPr>
+          <p:cNvPr id="7" name="Picture 6"/>
+          <p:cNvPicPr>
+            <a:picLocks noChangeAspect="1"/>
+          </p:cNvPicPr>
+          <p:nvPr/>
+        </p:nvPicPr>
+        <p:blipFill rotWithShape="1">
+          <a:blip r:embed="rId2">
+            <a:extLst>
+              <a:ext uri="{28A0092B-C50C-407E-A947-70E740481C1C}">
+                <a14:useLocalDpi xmlns:a14="http://schemas.microsoft.com/office/drawing/2010/main" val="0"/>
+              </a:ext>
+            </a:extLst>
+          </a:blip>
+          <a:srcRect l="19649" r="10789"/>
+          <a:stretch/>
+        </p:blipFill>
+        <p:spPr>
+          <a:xfrm>
+            <a:off x="2666999" y="0"/>
+            <a:ext cx="6858000" cy="6858000"/>
+          </a:xfrm>
+          <a:prstGeom prst="rect">
+            <a:avLst/>
+          </a:prstGeom>
+        </p:spPr>
+      </p:pic>
+      <p:sp>
+        <p:nvSpPr>
+          <p:cNvPr id="5" name="TextBox 4"/>
+          <p:cNvSpPr txBox="1"/>
+          <p:nvPr/>
+        </p:nvSpPr>
+        <p:spPr>
+          <a:xfrm>
+            <a:off x="2914737" y="1536174"/>
+            <a:ext cx="6362523" cy="3785652"/>
+          </a:xfrm>
+          <a:prstGeom prst="rect">
+            <a:avLst/>
+          </a:prstGeom>
+          <a:noFill/>
+        </p:spPr>
+        <p:txBody>
+          <a:bodyPr wrap="square" rtlCol="1">
+            <a:spAutoFit/>
+          </a:bodyPr>
+          <a:lstStyle/>
+          <a:p>
+            <a:pPr algn="ctr" rtl="0"/>
+            <a:r>
+              <a:rPr lang="en-US" sz="8000" b="1" dirty="0" smtClean="0">
+                <a:ln w="28575">
+                  <a:solidFill>
+                    <a:schemeClr val="bg1"/>
+                  </a:solidFill>
+                </a:ln>
+                <a:latin typeface="Gisha" panose="020B0502040204020203" pitchFamily="34" charset="-79"/>
+                <a:cs typeface="Gisha" panose="020B0502040204020203" pitchFamily="34" charset="-79"/>
+              </a:rPr>
+              <a:t>Can we</a:t>
+            </a:r>
+            <a:br>
+              <a:rPr lang="en-US" sz="8000" b="1" dirty="0" smtClean="0">
+                <a:ln w="28575">
+                  <a:solidFill>
+                    <a:schemeClr val="bg1"/>
+                  </a:solidFill>
+                </a:ln>
+                <a:latin typeface="Gisha" panose="020B0502040204020203" pitchFamily="34" charset="-79"/>
+                <a:cs typeface="Gisha" panose="020B0502040204020203" pitchFamily="34" charset="-79"/>
+              </a:rPr>
+            </a:br>
+            <a:r>
+              <a:rPr lang="en-US" sz="8000" b="1" dirty="0" smtClean="0">
+                <a:ln w="28575">
+                  <a:solidFill>
+                    <a:schemeClr val="bg1"/>
+                  </a:solidFill>
+                </a:ln>
+                <a:latin typeface="Gisha" panose="020B0502040204020203" pitchFamily="34" charset="-79"/>
+                <a:cs typeface="Gisha" panose="020B0502040204020203" pitchFamily="34" charset="-79"/>
+              </a:rPr>
+              <a:t>end this</a:t>
+            </a:r>
+            <a:br>
+              <a:rPr lang="en-US" sz="8000" b="1" dirty="0" smtClean="0">
+                <a:ln w="28575">
+                  <a:solidFill>
+                    <a:schemeClr val="bg1"/>
+                  </a:solidFill>
+                </a:ln>
+                <a:latin typeface="Gisha" panose="020B0502040204020203" pitchFamily="34" charset="-79"/>
+                <a:cs typeface="Gisha" panose="020B0502040204020203" pitchFamily="34" charset="-79"/>
+              </a:rPr>
+            </a:br>
+            <a:r>
+              <a:rPr lang="en-US" sz="8000" b="1" dirty="0" smtClean="0">
+                <a:ln w="28575">
+                  <a:solidFill>
+                    <a:schemeClr val="bg1"/>
+                  </a:solidFill>
+                </a:ln>
+                <a:latin typeface="Gisha" panose="020B0502040204020203" pitchFamily="34" charset="-79"/>
+                <a:cs typeface="Gisha" panose="020B0502040204020203" pitchFamily="34" charset="-79"/>
+              </a:rPr>
+              <a:t>conversation</a:t>
+            </a:r>
+          </a:p>
+        </p:txBody>
+      </p:sp>
+    </p:spTree>
+    <p:extLst>
+      <p:ext uri="{BB962C8B-B14F-4D97-AF65-F5344CB8AC3E}">
+        <p14:creationId xmlns:p14="http://schemas.microsoft.com/office/powerpoint/2010/main" val="670492160"/>
+      </p:ext>
+    </p:extLst>
+  </p:cSld>
+  <p:clrMapOvr>
+    <a:masterClrMapping/>
+  </p:clrMapOvr>
+</p:sld>
+</file>
+
+<file path=ppt/slides/slide9.xml><?xml version="1.0" encoding="utf-8"?>
+<p:sld xmlns:a="http://schemas.openxmlformats.org/drawingml/2006/main" xmlns:r="http://schemas.openxmlformats.org/officeDocument/2006/relationships" xmlns:p="http://schemas.openxmlformats.org/presentationml/2006/main">
+  <p:cSld>
+    <p:spTree>
+      <p:nvGrpSpPr>
+        <p:cNvPr id="1" name=""/>
+        <p:cNvGrpSpPr/>
+        <p:nvPr/>
+      </p:nvGrpSpPr>
+      <p:grpSpPr>
+        <a:xfrm>
+          <a:off x="0" y="0"/>
+          <a:ext cx="0" cy="0"/>
+          <a:chOff x="0" y="0"/>
+          <a:chExt cx="0" cy="0"/>
+        </a:xfrm>
+      </p:grpSpPr>
+      <p:pic>
+        <p:nvPicPr>
+          <p:cNvPr id="4" name="Picture 3"/>
+          <p:cNvPicPr>
+            <a:picLocks noChangeAspect="1"/>
+          </p:cNvPicPr>
+          <p:nvPr/>
+        </p:nvPicPr>
+        <p:blipFill>
+          <a:blip r:embed="rId2">
+            <a:extLst>
+              <a:ext uri="{28A0092B-C50C-407E-A947-70E740481C1C}">
+                <a14:useLocalDpi xmlns:a14="http://schemas.microsoft.com/office/drawing/2010/main" val="0"/>
+              </a:ext>
+            </a:extLst>
+          </a:blip>
+          <a:stretch>
+            <a:fillRect/>
+          </a:stretch>
+        </p:blipFill>
+        <p:spPr>
+          <a:xfrm>
+            <a:off x="2667000" y="0"/>
+            <a:ext cx="6858000" cy="6858000"/>
+          </a:xfrm>
+          <a:prstGeom prst="rect">
+            <a:avLst/>
+          </a:prstGeom>
+        </p:spPr>
+      </p:pic>
+      <p:sp>
+        <p:nvSpPr>
+          <p:cNvPr id="5" name="TextBox 4"/>
+          <p:cNvSpPr txBox="1"/>
+          <p:nvPr/>
+        </p:nvSpPr>
+        <p:spPr>
+          <a:xfrm>
+            <a:off x="3001174" y="1536174"/>
+            <a:ext cx="6189651" cy="3785652"/>
+          </a:xfrm>
+          <a:prstGeom prst="rect">
+            <a:avLst/>
+          </a:prstGeom>
+          <a:noFill/>
+        </p:spPr>
+        <p:txBody>
+          <a:bodyPr wrap="square" rtlCol="1">
+            <a:spAutoFit/>
+          </a:bodyPr>
+          <a:lstStyle/>
+          <a:p>
+            <a:pPr algn="ctr" rtl="0"/>
+            <a:r>
+              <a:rPr lang="en-US" sz="8000" b="1" dirty="0" smtClean="0">
+                <a:ln w="28575">
+                  <a:solidFill>
+                    <a:schemeClr val="bg1"/>
+                  </a:solidFill>
+                </a:ln>
+                <a:latin typeface="Gisha" panose="020B0502040204020203" pitchFamily="34" charset="-79"/>
+                <a:cs typeface="Gisha" panose="020B0502040204020203" pitchFamily="34" charset="-79"/>
+              </a:rPr>
+              <a:t>I do what’s</a:t>
+            </a:r>
+            <a:br>
+              <a:rPr lang="en-US" sz="8000" b="1" dirty="0" smtClean="0">
+                <a:ln w="28575">
+                  <a:solidFill>
+                    <a:schemeClr val="bg1"/>
+                  </a:solidFill>
+                </a:ln>
+                <a:latin typeface="Gisha" panose="020B0502040204020203" pitchFamily="34" charset="-79"/>
+                <a:cs typeface="Gisha" panose="020B0502040204020203" pitchFamily="34" charset="-79"/>
+              </a:rPr>
+            </a:br>
+            <a:r>
+              <a:rPr lang="en-US" sz="8000" b="1" dirty="0" smtClean="0">
+                <a:ln w="28575">
+                  <a:solidFill>
+                    <a:schemeClr val="bg1"/>
+                  </a:solidFill>
+                </a:ln>
+                <a:latin typeface="Gisha" panose="020B0502040204020203" pitchFamily="34" charset="-79"/>
+                <a:cs typeface="Gisha" panose="020B0502040204020203" pitchFamily="34" charset="-79"/>
+              </a:rPr>
+              <a:t>familiar and</a:t>
+            </a:r>
+            <a:br>
+              <a:rPr lang="en-US" sz="8000" b="1" dirty="0" smtClean="0">
+                <a:ln w="28575">
+                  <a:solidFill>
+                    <a:schemeClr val="bg1"/>
+                  </a:solidFill>
+                </a:ln>
+                <a:latin typeface="Gisha" panose="020B0502040204020203" pitchFamily="34" charset="-79"/>
+                <a:cs typeface="Gisha" panose="020B0502040204020203" pitchFamily="34" charset="-79"/>
+              </a:rPr>
+            </a:br>
+            <a:r>
+              <a:rPr lang="en-US" sz="8000" b="1" dirty="0" smtClean="0">
+                <a:ln w="28575">
+                  <a:solidFill>
+                    <a:schemeClr val="bg1"/>
+                  </a:solidFill>
+                </a:ln>
+                <a:latin typeface="Gisha" panose="020B0502040204020203" pitchFamily="34" charset="-79"/>
+                <a:cs typeface="Gisha" panose="020B0502040204020203" pitchFamily="34" charset="-79"/>
+              </a:rPr>
+              <a:t>I stab him</a:t>
+            </a:r>
+          </a:p>
+        </p:txBody>
+      </p:sp>
+    </p:spTree>
+    <p:extLst>
+      <p:ext uri="{BB962C8B-B14F-4D97-AF65-F5344CB8AC3E}">
+        <p14:creationId xmlns:p14="http://schemas.microsoft.com/office/powerpoint/2010/main" val="2143698838"/>
       </p:ext>
     </p:extLst>
   </p:cSld>

--- a/ton_soundboard/static/editing buttons.pptx
+++ b/ton_soundboard/static/editing buttons.pptx
@@ -5,19 +5,19 @@
     <p:sldMasterId id="2147483648" r:id="rId1"/>
   </p:sldMasterIdLst>
   <p:sldIdLst>
-    <p:sldId id="256" r:id="rId2"/>
-    <p:sldId id="257" r:id="rId3"/>
-    <p:sldId id="258" r:id="rId4"/>
-    <p:sldId id="259" r:id="rId5"/>
-    <p:sldId id="260" r:id="rId6"/>
-    <p:sldId id="263" r:id="rId7"/>
-    <p:sldId id="267" r:id="rId8"/>
-    <p:sldId id="268" r:id="rId9"/>
-    <p:sldId id="269" r:id="rId10"/>
-    <p:sldId id="270" r:id="rId11"/>
-    <p:sldId id="271" r:id="rId12"/>
-    <p:sldId id="272" r:id="rId13"/>
-    <p:sldId id="273" r:id="rId14"/>
+    <p:sldId id="275" r:id="rId2"/>
+    <p:sldId id="274" r:id="rId3"/>
+    <p:sldId id="276" r:id="rId4"/>
+    <p:sldId id="277" r:id="rId5"/>
+    <p:sldId id="278" r:id="rId6"/>
+    <p:sldId id="280" r:id="rId7"/>
+    <p:sldId id="281" r:id="rId8"/>
+    <p:sldId id="283" r:id="rId9"/>
+    <p:sldId id="284" r:id="rId10"/>
+    <p:sldId id="285" r:id="rId11"/>
+    <p:sldId id="286" r:id="rId12"/>
+    <p:sldId id="287" r:id="rId13"/>
+    <p:sldId id="288" r:id="rId14"/>
   </p:sldIdLst>
   <p:sldSz cx="12192000" cy="6858000"/>
   <p:notesSz cx="6858000" cy="9144000"/>
@@ -255,7 +255,7 @@
           <a:p>
             <a:fld id="{554CE385-AC8C-4CCE-A06B-FC5283D44AAA}" type="datetimeFigureOut">
               <a:rPr lang="he-IL" smtClean="0"/>
-              <a:t>ו'/תשרי/תשפ"א</a:t>
+              <a:t>י'/תשרי/תשפ"א</a:t>
             </a:fld>
             <a:endParaRPr lang="he-IL"/>
           </a:p>
@@ -425,7 +425,7 @@
           <a:p>
             <a:fld id="{554CE385-AC8C-4CCE-A06B-FC5283D44AAA}" type="datetimeFigureOut">
               <a:rPr lang="he-IL" smtClean="0"/>
-              <a:t>ו'/תשרי/תשפ"א</a:t>
+              <a:t>י'/תשרי/תשפ"א</a:t>
             </a:fld>
             <a:endParaRPr lang="he-IL"/>
           </a:p>
@@ -605,7 +605,7 @@
           <a:p>
             <a:fld id="{554CE385-AC8C-4CCE-A06B-FC5283D44AAA}" type="datetimeFigureOut">
               <a:rPr lang="he-IL" smtClean="0"/>
-              <a:t>ו'/תשרי/תשפ"א</a:t>
+              <a:t>י'/תשרי/תשפ"א</a:t>
             </a:fld>
             <a:endParaRPr lang="he-IL"/>
           </a:p>
@@ -775,7 +775,7 @@
           <a:p>
             <a:fld id="{554CE385-AC8C-4CCE-A06B-FC5283D44AAA}" type="datetimeFigureOut">
               <a:rPr lang="he-IL" smtClean="0"/>
-              <a:t>ו'/תשרי/תשפ"א</a:t>
+              <a:t>י'/תשרי/תשפ"א</a:t>
             </a:fld>
             <a:endParaRPr lang="he-IL"/>
           </a:p>
@@ -1021,7 +1021,7 @@
           <a:p>
             <a:fld id="{554CE385-AC8C-4CCE-A06B-FC5283D44AAA}" type="datetimeFigureOut">
               <a:rPr lang="he-IL" smtClean="0"/>
-              <a:t>ו'/תשרי/תשפ"א</a:t>
+              <a:t>י'/תשרי/תשפ"א</a:t>
             </a:fld>
             <a:endParaRPr lang="he-IL"/>
           </a:p>
@@ -1253,7 +1253,7 @@
           <a:p>
             <a:fld id="{554CE385-AC8C-4CCE-A06B-FC5283D44AAA}" type="datetimeFigureOut">
               <a:rPr lang="he-IL" smtClean="0"/>
-              <a:t>ו'/תשרי/תשפ"א</a:t>
+              <a:t>י'/תשרי/תשפ"א</a:t>
             </a:fld>
             <a:endParaRPr lang="he-IL"/>
           </a:p>
@@ -1620,7 +1620,7 @@
           <a:p>
             <a:fld id="{554CE385-AC8C-4CCE-A06B-FC5283D44AAA}" type="datetimeFigureOut">
               <a:rPr lang="he-IL" smtClean="0"/>
-              <a:t>ו'/תשרי/תשפ"א</a:t>
+              <a:t>י'/תשרי/תשפ"א</a:t>
             </a:fld>
             <a:endParaRPr lang="he-IL"/>
           </a:p>
@@ -1738,7 +1738,7 @@
           <a:p>
             <a:fld id="{554CE385-AC8C-4CCE-A06B-FC5283D44AAA}" type="datetimeFigureOut">
               <a:rPr lang="he-IL" smtClean="0"/>
-              <a:t>ו'/תשרי/תשפ"א</a:t>
+              <a:t>י'/תשרי/תשפ"א</a:t>
             </a:fld>
             <a:endParaRPr lang="he-IL"/>
           </a:p>
@@ -1833,7 +1833,7 @@
           <a:p>
             <a:fld id="{554CE385-AC8C-4CCE-A06B-FC5283D44AAA}" type="datetimeFigureOut">
               <a:rPr lang="he-IL" smtClean="0"/>
-              <a:t>ו'/תשרי/תשפ"א</a:t>
+              <a:t>י'/תשרי/תשפ"א</a:t>
             </a:fld>
             <a:endParaRPr lang="he-IL"/>
           </a:p>
@@ -2110,7 +2110,7 @@
           <a:p>
             <a:fld id="{554CE385-AC8C-4CCE-A06B-FC5283D44AAA}" type="datetimeFigureOut">
               <a:rPr lang="he-IL" smtClean="0"/>
-              <a:t>ו'/תשרי/תשפ"א</a:t>
+              <a:t>י'/תשרי/תשפ"א</a:t>
             </a:fld>
             <a:endParaRPr lang="he-IL"/>
           </a:p>
@@ -2363,7 +2363,7 @@
           <a:p>
             <a:fld id="{554CE385-AC8C-4CCE-A06B-FC5283D44AAA}" type="datetimeFigureOut">
               <a:rPr lang="he-IL" smtClean="0"/>
-              <a:t>ו'/תשרי/תשפ"א</a:t>
+              <a:t>י'/תשרי/תשפ"א</a:t>
             </a:fld>
             <a:endParaRPr lang="he-IL"/>
           </a:p>
@@ -2576,7 +2576,7 @@
           <a:p>
             <a:fld id="{554CE385-AC8C-4CCE-A06B-FC5283D44AAA}" type="datetimeFigureOut">
               <a:rPr lang="he-IL" smtClean="0"/>
-              <a:t>ו'/תשרי/תשפ"א</a:t>
+              <a:t>י'/תשרי/תשפ"א</a:t>
             </a:fld>
             <a:endParaRPr lang="he-IL"/>
           </a:p>
@@ -2981,36 +2981,57 @@
           <a:chExt cx="0" cy="0"/>
         </a:xfrm>
       </p:grpSpPr>
-      <p:pic>
-        <p:nvPicPr>
-          <p:cNvPr id="4" name="Picture 3"/>
-          <p:cNvPicPr>
-            <a:picLocks noChangeAspect="1"/>
-          </p:cNvPicPr>
+      <p:sp>
+        <p:nvSpPr>
+          <p:cNvPr id="4" name="Rectangle 3"/>
+          <p:cNvSpPr/>
           <p:nvPr/>
-        </p:nvPicPr>
-        <p:blipFill>
-          <a:blip r:embed="rId2">
-            <a:extLst>
-              <a:ext uri="{28A0092B-C50C-407E-A947-70E740481C1C}">
-                <a14:useLocalDpi xmlns:a14="http://schemas.microsoft.com/office/drawing/2010/main" val="0"/>
-              </a:ext>
-            </a:extLst>
-          </a:blip>
-          <a:stretch>
-            <a:fillRect/>
-          </a:stretch>
-        </p:blipFill>
+        </p:nvSpPr>
         <p:spPr>
           <a:xfrm>
-            <a:off x="2667000" y="0"/>
+            <a:off x="2568123" y="0"/>
             <a:ext cx="6858000" cy="6858000"/>
           </a:xfrm>
           <a:prstGeom prst="rect">
             <a:avLst/>
           </a:prstGeom>
+          <a:blipFill>
+            <a:blip r:embed="rId2">
+              <a:alphaModFix amt="80000"/>
+            </a:blip>
+            <a:stretch>
+              <a:fillRect/>
+            </a:stretch>
+          </a:blipFill>
+          <a:ln>
+            <a:noFill/>
+          </a:ln>
         </p:spPr>
-      </p:pic>
+        <p:style>
+          <a:lnRef idx="2">
+            <a:schemeClr val="accent1">
+              <a:shade val="50000"/>
+            </a:schemeClr>
+          </a:lnRef>
+          <a:fillRef idx="1">
+            <a:schemeClr val="accent1"/>
+          </a:fillRef>
+          <a:effectRef idx="0">
+            <a:schemeClr val="accent1"/>
+          </a:effectRef>
+          <a:fontRef idx="minor">
+            <a:schemeClr val="lt1"/>
+          </a:fontRef>
+        </p:style>
+        <p:txBody>
+          <a:bodyPr rtlCol="1" anchor="ctr"/>
+          <a:lstStyle/>
+          <a:p>
+            <a:pPr algn="ctr"/>
+            <a:endParaRPr lang="he-IL"/>
+          </a:p>
+        </p:txBody>
+      </p:sp>
       <p:sp>
         <p:nvSpPr>
           <p:cNvPr id="5" name="TextBox 4"/>
@@ -3019,7 +3040,7 @@
         </p:nvSpPr>
         <p:spPr>
           <a:xfrm>
-            <a:off x="2981609" y="1536174"/>
+            <a:off x="2882732" y="1536174"/>
             <a:ext cx="6228782" cy="3785652"/>
           </a:xfrm>
           <a:prstGeom prst="rect">
@@ -3061,7 +3082,7 @@
     </p:spTree>
     <p:extLst>
       <p:ext uri="{BB962C8B-B14F-4D97-AF65-F5344CB8AC3E}">
-        <p14:creationId xmlns:p14="http://schemas.microsoft.com/office/powerpoint/2010/main" val="3002946028"/>
+        <p14:creationId xmlns:p14="http://schemas.microsoft.com/office/powerpoint/2010/main" val="4032952779"/>
       </p:ext>
     </p:extLst>
   </p:cSld>
@@ -3088,46 +3109,68 @@
           <a:chExt cx="0" cy="0"/>
         </a:xfrm>
       </p:grpSpPr>
-      <p:pic>
-        <p:nvPicPr>
-          <p:cNvPr id="4" name="Picture 3"/>
-          <p:cNvPicPr>
-            <a:picLocks noChangeAspect="1"/>
-          </p:cNvPicPr>
+      <p:sp>
+        <p:nvSpPr>
+          <p:cNvPr id="3" name="Rectangle 2"/>
+          <p:cNvSpPr/>
           <p:nvPr/>
-        </p:nvPicPr>
-        <p:blipFill>
-          <a:blip r:embed="rId2">
-            <a:extLst>
-              <a:ext uri="{28A0092B-C50C-407E-A947-70E740481C1C}">
-                <a14:useLocalDpi xmlns:a14="http://schemas.microsoft.com/office/drawing/2010/main" val="0"/>
-              </a:ext>
-            </a:extLst>
-          </a:blip>
-          <a:stretch>
-            <a:fillRect/>
-          </a:stretch>
-        </p:blipFill>
+        </p:nvSpPr>
         <p:spPr>
           <a:xfrm>
-            <a:off x="2667000" y="0"/>
-            <a:ext cx="6858000" cy="6858000"/>
+            <a:off x="2663588" y="-6824"/>
+            <a:ext cx="6864824" cy="6864824"/>
           </a:xfrm>
           <a:prstGeom prst="rect">
             <a:avLst/>
           </a:prstGeom>
+          <a:blipFill dpi="0" rotWithShape="1">
+            <a:blip r:embed="rId2">
+              <a:alphaModFix amt="80000"/>
+            </a:blip>
+            <a:srcRect/>
+            <a:stretch>
+              <a:fillRect/>
+            </a:stretch>
+          </a:blipFill>
+          <a:ln>
+            <a:noFill/>
+          </a:ln>
         </p:spPr>
-      </p:pic>
-      <p:sp>
-        <p:nvSpPr>
-          <p:cNvPr id="5" name="TextBox 4"/>
+        <p:style>
+          <a:lnRef idx="2">
+            <a:schemeClr val="accent1">
+              <a:shade val="50000"/>
+            </a:schemeClr>
+          </a:lnRef>
+          <a:fillRef idx="1">
+            <a:schemeClr val="accent1"/>
+          </a:fillRef>
+          <a:effectRef idx="0">
+            <a:schemeClr val="accent1"/>
+          </a:effectRef>
+          <a:fontRef idx="minor">
+            <a:schemeClr val="lt1"/>
+          </a:fontRef>
+        </p:style>
+        <p:txBody>
+          <a:bodyPr rtlCol="1" anchor="ctr"/>
+          <a:lstStyle/>
+          <a:p>
+            <a:pPr algn="ctr"/>
+            <a:endParaRPr lang="he-IL"/>
+          </a:p>
+        </p:txBody>
+      </p:sp>
+      <p:sp>
+        <p:nvSpPr>
+          <p:cNvPr id="4" name="TextBox 3"/>
           <p:cNvSpPr txBox="1"/>
           <p:nvPr/>
         </p:nvSpPr>
         <p:spPr>
           <a:xfrm>
-            <a:off x="2981609" y="1882423"/>
-            <a:ext cx="6228782" cy="3093154"/>
+            <a:off x="2822598" y="1548151"/>
+            <a:ext cx="6546803" cy="3754874"/>
           </a:xfrm>
           <a:prstGeom prst="rect">
             <a:avLst/>
@@ -3142,7 +3185,7 @@
           <a:p>
             <a:pPr algn="ctr" rtl="0"/>
             <a:r>
-              <a:rPr lang="en-US" sz="8000" b="1" dirty="0" smtClean="0">
+              <a:rPr lang="en-US" sz="10000" b="1" dirty="0" smtClean="0">
                 <a:ln w="28575">
                   <a:solidFill>
                     <a:schemeClr val="bg1"/>
@@ -3151,13 +3194,13 @@
                 <a:latin typeface="Gisha" panose="020B0502040204020203" pitchFamily="34" charset="-79"/>
                 <a:cs typeface="Gisha" panose="020B0502040204020203" pitchFamily="34" charset="-79"/>
               </a:rPr>
-              <a:t>Hhhhaaa…</a:t>
+              <a:t>Hhhaaa…</a:t>
             </a:r>
           </a:p>
           <a:p>
             <a:pPr algn="ctr" rtl="0"/>
             <a:r>
-              <a:rPr lang="en-US" sz="11500" b="1" dirty="0" smtClean="0">
+              <a:rPr lang="en-US" sz="13800" b="1" dirty="0" smtClean="0">
                 <a:ln w="28575">
                   <a:solidFill>
                     <a:schemeClr val="bg1"/>
@@ -3168,7 +3211,7 @@
               </a:rPr>
               <a:t>Shit.</a:t>
             </a:r>
-            <a:endParaRPr lang="he-IL" sz="11500" b="1" dirty="0">
+            <a:endParaRPr lang="he-IL" sz="13800" b="1" dirty="0">
               <a:ln w="28575">
                 <a:solidFill>
                   <a:schemeClr val="bg1"/>
@@ -3183,7 +3226,7 @@
     </p:spTree>
     <p:extLst>
       <p:ext uri="{BB962C8B-B14F-4D97-AF65-F5344CB8AC3E}">
-        <p14:creationId xmlns:p14="http://schemas.microsoft.com/office/powerpoint/2010/main" val="1974055428"/>
+        <p14:creationId xmlns:p14="http://schemas.microsoft.com/office/powerpoint/2010/main" val="566726247"/>
       </p:ext>
     </p:extLst>
   </p:cSld>
@@ -3210,46 +3253,68 @@
           <a:chExt cx="0" cy="0"/>
         </a:xfrm>
       </p:grpSpPr>
-      <p:pic>
-        <p:nvPicPr>
-          <p:cNvPr id="4" name="Picture 3"/>
-          <p:cNvPicPr>
-            <a:picLocks noChangeAspect="1"/>
-          </p:cNvPicPr>
+      <p:sp>
+        <p:nvSpPr>
+          <p:cNvPr id="3" name="Rectangle 2"/>
+          <p:cNvSpPr/>
           <p:nvPr/>
-        </p:nvPicPr>
-        <p:blipFill>
-          <a:blip r:embed="rId2">
-            <a:extLst>
-              <a:ext uri="{28A0092B-C50C-407E-A947-70E740481C1C}">
-                <a14:useLocalDpi xmlns:a14="http://schemas.microsoft.com/office/drawing/2010/main" val="0"/>
-              </a:ext>
-            </a:extLst>
-          </a:blip>
-          <a:stretch>
-            <a:fillRect/>
-          </a:stretch>
-        </p:blipFill>
+        </p:nvSpPr>
         <p:spPr>
           <a:xfrm>
-            <a:off x="2667000" y="0"/>
-            <a:ext cx="6858000" cy="6858000"/>
+            <a:off x="2663588" y="-6824"/>
+            <a:ext cx="6864824" cy="6864824"/>
           </a:xfrm>
           <a:prstGeom prst="rect">
             <a:avLst/>
           </a:prstGeom>
+          <a:blipFill dpi="0" rotWithShape="1">
+            <a:blip r:embed="rId2">
+              <a:alphaModFix amt="80000"/>
+            </a:blip>
+            <a:srcRect/>
+            <a:stretch>
+              <a:fillRect/>
+            </a:stretch>
+          </a:blipFill>
+          <a:ln>
+            <a:noFill/>
+          </a:ln>
         </p:spPr>
-      </p:pic>
-      <p:sp>
-        <p:nvSpPr>
-          <p:cNvPr id="5" name="TextBox 4"/>
+        <p:style>
+          <a:lnRef idx="2">
+            <a:schemeClr val="accent1">
+              <a:shade val="50000"/>
+            </a:schemeClr>
+          </a:lnRef>
+          <a:fillRef idx="1">
+            <a:schemeClr val="accent1"/>
+          </a:fillRef>
+          <a:effectRef idx="0">
+            <a:schemeClr val="accent1"/>
+          </a:effectRef>
+          <a:fontRef idx="minor">
+            <a:schemeClr val="lt1"/>
+          </a:fontRef>
+        </p:style>
+        <p:txBody>
+          <a:bodyPr rtlCol="1" anchor="ctr"/>
+          <a:lstStyle/>
+          <a:p>
+            <a:pPr algn="ctr"/>
+            <a:endParaRPr lang="he-IL"/>
+          </a:p>
+        </p:txBody>
+      </p:sp>
+      <p:sp>
+        <p:nvSpPr>
+          <p:cNvPr id="4" name="TextBox 3"/>
           <p:cNvSpPr txBox="1"/>
           <p:nvPr/>
         </p:nvSpPr>
         <p:spPr>
           <a:xfrm>
-            <a:off x="2878327" y="1905506"/>
-            <a:ext cx="6435346" cy="3046988"/>
+            <a:off x="2770957" y="1809761"/>
+            <a:ext cx="6650085" cy="3231654"/>
           </a:xfrm>
           <a:prstGeom prst="rect">
             <a:avLst/>
@@ -3264,7 +3329,7 @@
           <a:p>
             <a:pPr algn="ctr" rtl="0"/>
             <a:r>
-              <a:rPr lang="en-US" sz="9600" b="1" dirty="0" smtClean="0">
+              <a:rPr lang="en-US" sz="10200" b="1" dirty="0" smtClean="0">
                 <a:ln w="28575">
                   <a:solidFill>
                     <a:schemeClr val="bg1"/>
@@ -3273,22 +3338,10 @@
                 <a:latin typeface="Gisha" panose="020B0502040204020203" pitchFamily="34" charset="-79"/>
                 <a:cs typeface="Gisha" panose="020B0502040204020203" pitchFamily="34" charset="-79"/>
               </a:rPr>
-              <a:t>Well </a:t>
-            </a:r>
-            <a:r>
-              <a:rPr lang="en-US" sz="9600" b="1" dirty="0" smtClean="0">
-                <a:ln w="28575">
-                  <a:solidFill>
-                    <a:schemeClr val="bg1"/>
-                  </a:solidFill>
-                </a:ln>
-                <a:latin typeface="Gisha" panose="020B0502040204020203" pitchFamily="34" charset="-79"/>
-                <a:cs typeface="Gisha" panose="020B0502040204020203" pitchFamily="34" charset="-79"/>
-              </a:rPr>
-              <a:t>son</a:t>
+              <a:t>Well son</a:t>
             </a:r>
             <a:br>
-              <a:rPr lang="en-US" sz="9600" b="1" dirty="0" smtClean="0">
+              <a:rPr lang="en-US" sz="10200" b="1" dirty="0" smtClean="0">
                 <a:ln w="28575">
                   <a:solidFill>
                     <a:schemeClr val="bg1"/>
@@ -3299,7 +3352,7 @@
               </a:rPr>
             </a:br>
             <a:r>
-              <a:rPr lang="en-US" sz="9600" b="1" dirty="0" smtClean="0">
+              <a:rPr lang="en-US" sz="10200" b="1" dirty="0" smtClean="0">
                 <a:ln w="28575">
                   <a:solidFill>
                     <a:schemeClr val="bg1"/>
@@ -3308,21 +3361,9 @@
                 <a:latin typeface="Gisha" panose="020B0502040204020203" pitchFamily="34" charset="-79"/>
                 <a:cs typeface="Gisha" panose="020B0502040204020203" pitchFamily="34" charset="-79"/>
               </a:rPr>
-              <a:t>of a </a:t>
-            </a:r>
-            <a:r>
-              <a:rPr lang="en-US" sz="9600" b="1" dirty="0" smtClean="0">
-                <a:ln w="28575">
-                  <a:solidFill>
-                    <a:schemeClr val="bg1"/>
-                  </a:solidFill>
-                </a:ln>
-                <a:latin typeface="Gisha" panose="020B0502040204020203" pitchFamily="34" charset="-79"/>
-                <a:cs typeface="Gisha" panose="020B0502040204020203" pitchFamily="34" charset="-79"/>
-              </a:rPr>
-              <a:t>bitch</a:t>
-            </a:r>
-            <a:endParaRPr lang="he-IL" sz="9600" b="1" dirty="0">
+              <a:t>of a bitch</a:t>
+            </a:r>
+            <a:endParaRPr lang="he-IL" sz="10200" b="1" dirty="0">
               <a:ln w="28575">
                 <a:solidFill>
                   <a:schemeClr val="bg1"/>
@@ -3337,7 +3378,7 @@
     </p:spTree>
     <p:extLst>
       <p:ext uri="{BB962C8B-B14F-4D97-AF65-F5344CB8AC3E}">
-        <p14:creationId xmlns:p14="http://schemas.microsoft.com/office/powerpoint/2010/main" val="2825350850"/>
+        <p14:creationId xmlns:p14="http://schemas.microsoft.com/office/powerpoint/2010/main" val="1090620343"/>
       </p:ext>
     </p:extLst>
   </p:cSld>
@@ -3364,36 +3405,58 @@
           <a:chExt cx="0" cy="0"/>
         </a:xfrm>
       </p:grpSpPr>
-      <p:pic>
-        <p:nvPicPr>
-          <p:cNvPr id="4" name="Picture 3"/>
-          <p:cNvPicPr>
-            <a:picLocks noChangeAspect="1"/>
-          </p:cNvPicPr>
+      <p:sp>
+        <p:nvSpPr>
+          <p:cNvPr id="3" name="Rectangle 2"/>
+          <p:cNvSpPr/>
           <p:nvPr/>
-        </p:nvPicPr>
-        <p:blipFill>
-          <a:blip r:embed="rId2">
-            <a:extLst>
-              <a:ext uri="{28A0092B-C50C-407E-A947-70E740481C1C}">
-                <a14:useLocalDpi xmlns:a14="http://schemas.microsoft.com/office/drawing/2010/main" val="0"/>
-              </a:ext>
-            </a:extLst>
-          </a:blip>
-          <a:stretch>
-            <a:fillRect/>
-          </a:stretch>
-        </p:blipFill>
+        </p:nvSpPr>
         <p:spPr>
           <a:xfrm>
-            <a:off x="2667000" y="0"/>
-            <a:ext cx="6858000" cy="6858000"/>
+            <a:off x="2663588" y="-6824"/>
+            <a:ext cx="6864824" cy="6864824"/>
           </a:xfrm>
           <a:prstGeom prst="rect">
             <a:avLst/>
           </a:prstGeom>
+          <a:blipFill dpi="0" rotWithShape="1">
+            <a:blip r:embed="rId2">
+              <a:alphaModFix amt="80000"/>
+            </a:blip>
+            <a:srcRect/>
+            <a:stretch>
+              <a:fillRect/>
+            </a:stretch>
+          </a:blipFill>
+          <a:ln>
+            <a:noFill/>
+          </a:ln>
         </p:spPr>
-      </p:pic>
+        <p:style>
+          <a:lnRef idx="2">
+            <a:schemeClr val="accent1">
+              <a:shade val="50000"/>
+            </a:schemeClr>
+          </a:lnRef>
+          <a:fillRef idx="1">
+            <a:schemeClr val="accent1"/>
+          </a:fillRef>
+          <a:effectRef idx="0">
+            <a:schemeClr val="accent1"/>
+          </a:effectRef>
+          <a:fontRef idx="minor">
+            <a:schemeClr val="lt1"/>
+          </a:fontRef>
+        </p:style>
+        <p:txBody>
+          <a:bodyPr rtlCol="1" anchor="ctr"/>
+          <a:lstStyle/>
+          <a:p>
+            <a:pPr algn="ctr"/>
+            <a:endParaRPr lang="he-IL"/>
+          </a:p>
+        </p:txBody>
+      </p:sp>
       <p:sp>
         <p:nvSpPr>
           <p:cNvPr id="5" name="TextBox 4"/>
@@ -3402,8 +3465,8 @@
         </p:nvSpPr>
         <p:spPr>
           <a:xfrm>
-            <a:off x="2878327" y="1613118"/>
-            <a:ext cx="6435346" cy="3631763"/>
+            <a:off x="2878327" y="1255763"/>
+            <a:ext cx="6435346" cy="4339650"/>
           </a:xfrm>
           <a:prstGeom prst="rect">
             <a:avLst/>
@@ -3418,7 +3481,7 @@
           <a:p>
             <a:pPr algn="ctr" rtl="0"/>
             <a:r>
-              <a:rPr lang="en-US" sz="11500" b="1" dirty="0" smtClean="0">
+              <a:rPr lang="en-US" sz="13800" b="1" dirty="0" smtClean="0">
                 <a:ln w="28575">
                   <a:solidFill>
                     <a:schemeClr val="bg1"/>
@@ -3430,7 +3493,7 @@
               <a:t>Son of</a:t>
             </a:r>
             <a:br>
-              <a:rPr lang="en-US" sz="11500" b="1" dirty="0" smtClean="0">
+              <a:rPr lang="en-US" sz="13800" b="1" dirty="0" smtClean="0">
                 <a:ln w="28575">
                   <a:solidFill>
                     <a:schemeClr val="bg1"/>
@@ -3441,7 +3504,7 @@
               </a:rPr>
             </a:br>
             <a:r>
-              <a:rPr lang="en-US" sz="11500" b="1" dirty="0" smtClean="0">
+              <a:rPr lang="en-US" sz="13800" b="1" dirty="0" smtClean="0">
                 <a:ln w="28575">
                   <a:solidFill>
                     <a:schemeClr val="bg1"/>
@@ -3452,7 +3515,7 @@
               </a:rPr>
               <a:t>a dick</a:t>
             </a:r>
-            <a:endParaRPr lang="he-IL" sz="11500" b="1" dirty="0">
+            <a:endParaRPr lang="he-IL" sz="13800" b="1" dirty="0">
               <a:ln w="28575">
                 <a:solidFill>
                   <a:schemeClr val="bg1"/>
@@ -3467,7 +3530,7 @@
     </p:spTree>
     <p:extLst>
       <p:ext uri="{BB962C8B-B14F-4D97-AF65-F5344CB8AC3E}">
-        <p14:creationId xmlns:p14="http://schemas.microsoft.com/office/powerpoint/2010/main" val="1210602622"/>
+        <p14:creationId xmlns:p14="http://schemas.microsoft.com/office/powerpoint/2010/main" val="964124661"/>
       </p:ext>
     </p:extLst>
   </p:cSld>
@@ -3494,36 +3557,58 @@
           <a:chExt cx="0" cy="0"/>
         </a:xfrm>
       </p:grpSpPr>
-      <p:pic>
-        <p:nvPicPr>
-          <p:cNvPr id="4" name="Picture 3"/>
-          <p:cNvPicPr>
-            <a:picLocks noChangeAspect="1"/>
-          </p:cNvPicPr>
+      <p:sp>
+        <p:nvSpPr>
+          <p:cNvPr id="3" name="Rectangle 2"/>
+          <p:cNvSpPr/>
           <p:nvPr/>
-        </p:nvPicPr>
-        <p:blipFill>
-          <a:blip r:embed="rId2">
-            <a:extLst>
-              <a:ext uri="{28A0092B-C50C-407E-A947-70E740481C1C}">
-                <a14:useLocalDpi xmlns:a14="http://schemas.microsoft.com/office/drawing/2010/main" val="0"/>
-              </a:ext>
-            </a:extLst>
-          </a:blip>
-          <a:stretch>
-            <a:fillRect/>
-          </a:stretch>
-        </p:blipFill>
+        </p:nvSpPr>
         <p:spPr>
           <a:xfrm>
-            <a:off x="2667000" y="0"/>
-            <a:ext cx="6858000" cy="6858000"/>
+            <a:off x="2663588" y="-6824"/>
+            <a:ext cx="6864824" cy="6864824"/>
           </a:xfrm>
           <a:prstGeom prst="rect">
             <a:avLst/>
           </a:prstGeom>
+          <a:blipFill dpi="0" rotWithShape="1">
+            <a:blip r:embed="rId2">
+              <a:alphaModFix amt="80000"/>
+            </a:blip>
+            <a:srcRect/>
+            <a:stretch>
+              <a:fillRect/>
+            </a:stretch>
+          </a:blipFill>
+          <a:ln>
+            <a:noFill/>
+          </a:ln>
         </p:spPr>
-      </p:pic>
+        <p:style>
+          <a:lnRef idx="2">
+            <a:schemeClr val="accent1">
+              <a:shade val="50000"/>
+            </a:schemeClr>
+          </a:lnRef>
+          <a:fillRef idx="1">
+            <a:schemeClr val="accent1"/>
+          </a:fillRef>
+          <a:effectRef idx="0">
+            <a:schemeClr val="accent1"/>
+          </a:effectRef>
+          <a:fontRef idx="minor">
+            <a:schemeClr val="lt1"/>
+          </a:fontRef>
+        </p:style>
+        <p:txBody>
+          <a:bodyPr rtlCol="1" anchor="ctr"/>
+          <a:lstStyle/>
+          <a:p>
+            <a:pPr algn="ctr"/>
+            <a:endParaRPr lang="he-IL"/>
+          </a:p>
+        </p:txBody>
+      </p:sp>
       <p:sp>
         <p:nvSpPr>
           <p:cNvPr id="5" name="TextBox 4"/>
@@ -3532,8 +3617,8 @@
         </p:nvSpPr>
         <p:spPr>
           <a:xfrm>
-            <a:off x="2981609" y="1613118"/>
-            <a:ext cx="6228782" cy="3631763"/>
+            <a:off x="2981609" y="1532762"/>
+            <a:ext cx="6228782" cy="3785652"/>
           </a:xfrm>
           <a:prstGeom prst="rect">
             <a:avLst/>
@@ -3548,7 +3633,7 @@
           <a:p>
             <a:pPr algn="ctr" rtl="0"/>
             <a:r>
-              <a:rPr lang="en-US" sz="11500" b="1" dirty="0" smtClean="0">
+              <a:rPr lang="en-US" sz="12000" b="1" dirty="0" smtClean="0">
                 <a:ln w="28575">
                   <a:solidFill>
                     <a:schemeClr val="bg1"/>
@@ -3559,7 +3644,7 @@
               </a:rPr>
               <a:t>You bastard</a:t>
             </a:r>
-            <a:endParaRPr lang="he-IL" sz="11500" b="1" dirty="0">
+            <a:endParaRPr lang="he-IL" sz="12000" b="1" dirty="0">
               <a:ln w="28575">
                 <a:solidFill>
                   <a:schemeClr val="bg1"/>
@@ -3574,7 +3659,7 @@
     </p:spTree>
     <p:extLst>
       <p:ext uri="{BB962C8B-B14F-4D97-AF65-F5344CB8AC3E}">
-        <p14:creationId xmlns:p14="http://schemas.microsoft.com/office/powerpoint/2010/main" val="3125191206"/>
+        <p14:creationId xmlns:p14="http://schemas.microsoft.com/office/powerpoint/2010/main" val="3652487109"/>
       </p:ext>
     </p:extLst>
   </p:cSld>
@@ -3601,36 +3686,58 @@
           <a:chExt cx="0" cy="0"/>
         </a:xfrm>
       </p:grpSpPr>
-      <p:pic>
-        <p:nvPicPr>
-          <p:cNvPr id="2" name="Picture 1"/>
-          <p:cNvPicPr>
-            <a:picLocks noChangeAspect="1"/>
-          </p:cNvPicPr>
+      <p:sp>
+        <p:nvSpPr>
+          <p:cNvPr id="3" name="Rectangle 2"/>
+          <p:cNvSpPr/>
           <p:nvPr/>
-        </p:nvPicPr>
-        <p:blipFill>
-          <a:blip r:embed="rId2">
-            <a:extLst>
-              <a:ext uri="{28A0092B-C50C-407E-A947-70E740481C1C}">
-                <a14:useLocalDpi xmlns:a14="http://schemas.microsoft.com/office/drawing/2010/main" val="0"/>
-              </a:ext>
-            </a:extLst>
-          </a:blip>
-          <a:stretch>
-            <a:fillRect/>
-          </a:stretch>
-        </p:blipFill>
+        </p:nvSpPr>
         <p:spPr>
           <a:xfrm>
-            <a:off x="2667000" y="0"/>
-            <a:ext cx="6858000" cy="6858000"/>
+            <a:off x="2663588" y="-6824"/>
+            <a:ext cx="6864824" cy="6864824"/>
           </a:xfrm>
           <a:prstGeom prst="rect">
             <a:avLst/>
           </a:prstGeom>
+          <a:blipFill dpi="0" rotWithShape="1">
+            <a:blip r:embed="rId2">
+              <a:alphaModFix amt="80000"/>
+            </a:blip>
+            <a:srcRect/>
+            <a:stretch>
+              <a:fillRect/>
+            </a:stretch>
+          </a:blipFill>
+          <a:ln>
+            <a:noFill/>
+          </a:ln>
         </p:spPr>
-      </p:pic>
+        <p:style>
+          <a:lnRef idx="2">
+            <a:schemeClr val="accent1">
+              <a:shade val="50000"/>
+            </a:schemeClr>
+          </a:lnRef>
+          <a:fillRef idx="1">
+            <a:schemeClr val="accent1"/>
+          </a:fillRef>
+          <a:effectRef idx="0">
+            <a:schemeClr val="accent1"/>
+          </a:effectRef>
+          <a:fontRef idx="minor">
+            <a:schemeClr val="lt1"/>
+          </a:fontRef>
+        </p:style>
+        <p:txBody>
+          <a:bodyPr rtlCol="1" anchor="ctr"/>
+          <a:lstStyle/>
+          <a:p>
+            <a:pPr algn="ctr"/>
+            <a:endParaRPr lang="he-IL"/>
+          </a:p>
+        </p:txBody>
+      </p:sp>
       <p:sp>
         <p:nvSpPr>
           <p:cNvPr id="6" name="TextBox 5"/>
@@ -3681,7 +3788,7 @@
     </p:spTree>
     <p:extLst>
       <p:ext uri="{BB962C8B-B14F-4D97-AF65-F5344CB8AC3E}">
-        <p14:creationId xmlns:p14="http://schemas.microsoft.com/office/powerpoint/2010/main" val="2254665997"/>
+        <p14:creationId xmlns:p14="http://schemas.microsoft.com/office/powerpoint/2010/main" val="2477871116"/>
       </p:ext>
     </p:extLst>
   </p:cSld>
@@ -3708,45 +3815,67 @@
           <a:chExt cx="0" cy="0"/>
         </a:xfrm>
       </p:grpSpPr>
-      <p:pic>
-        <p:nvPicPr>
-          <p:cNvPr id="4" name="Picture 3"/>
-          <p:cNvPicPr>
-            <a:picLocks noChangeAspect="1"/>
-          </p:cNvPicPr>
+      <p:sp>
+        <p:nvSpPr>
+          <p:cNvPr id="3" name="Rectangle 2"/>
+          <p:cNvSpPr/>
           <p:nvPr/>
-        </p:nvPicPr>
-        <p:blipFill>
-          <a:blip r:embed="rId2">
-            <a:extLst>
-              <a:ext uri="{28A0092B-C50C-407E-A947-70E740481C1C}">
-                <a14:useLocalDpi xmlns:a14="http://schemas.microsoft.com/office/drawing/2010/main" val="0"/>
-              </a:ext>
-            </a:extLst>
-          </a:blip>
-          <a:stretch>
-            <a:fillRect/>
-          </a:stretch>
-        </p:blipFill>
+        </p:nvSpPr>
         <p:spPr>
           <a:xfrm>
-            <a:off x="2667000" y="0"/>
-            <a:ext cx="6858000" cy="6858000"/>
+            <a:off x="2663588" y="-6824"/>
+            <a:ext cx="6864824" cy="6864824"/>
           </a:xfrm>
           <a:prstGeom prst="rect">
             <a:avLst/>
           </a:prstGeom>
+          <a:blipFill dpi="0" rotWithShape="1">
+            <a:blip r:embed="rId2">
+              <a:alphaModFix amt="80000"/>
+            </a:blip>
+            <a:srcRect/>
+            <a:stretch>
+              <a:fillRect/>
+            </a:stretch>
+          </a:blipFill>
+          <a:ln>
+            <a:noFill/>
+          </a:ln>
         </p:spPr>
-      </p:pic>
-      <p:sp>
-        <p:nvSpPr>
-          <p:cNvPr id="5" name="TextBox 4"/>
+        <p:style>
+          <a:lnRef idx="2">
+            <a:schemeClr val="accent1">
+              <a:shade val="50000"/>
+            </a:schemeClr>
+          </a:lnRef>
+          <a:fillRef idx="1">
+            <a:schemeClr val="accent1"/>
+          </a:fillRef>
+          <a:effectRef idx="0">
+            <a:schemeClr val="accent1"/>
+          </a:effectRef>
+          <a:fontRef idx="minor">
+            <a:schemeClr val="lt1"/>
+          </a:fontRef>
+        </p:style>
+        <p:txBody>
+          <a:bodyPr rtlCol="1" anchor="ctr"/>
+          <a:lstStyle/>
+          <a:p>
+            <a:pPr algn="ctr"/>
+            <a:endParaRPr lang="he-IL"/>
+          </a:p>
+        </p:txBody>
+      </p:sp>
+      <p:sp>
+        <p:nvSpPr>
+          <p:cNvPr id="4" name="TextBox 3"/>
           <p:cNvSpPr txBox="1"/>
           <p:nvPr/>
         </p:nvSpPr>
         <p:spPr>
           <a:xfrm>
-            <a:off x="2981609" y="1536174"/>
+            <a:off x="2981609" y="1532762"/>
             <a:ext cx="6228782" cy="3785652"/>
           </a:xfrm>
           <a:prstGeom prst="rect">
@@ -3771,19 +3900,7 @@
                 <a:latin typeface="Gisha" panose="020B0502040204020203" pitchFamily="34" charset="-79"/>
                 <a:cs typeface="Gisha" panose="020B0502040204020203" pitchFamily="34" charset="-79"/>
               </a:rPr>
-              <a:t>My Name Is Spencer And I Play </a:t>
-            </a:r>
-            <a:r>
-              <a:rPr lang="en-US" sz="8000" b="1" dirty="0" err="1" smtClean="0">
-                <a:ln w="28575">
-                  <a:solidFill>
-                    <a:schemeClr val="bg1"/>
-                  </a:solidFill>
-                </a:ln>
-                <a:latin typeface="Gisha" panose="020B0502040204020203" pitchFamily="34" charset="-79"/>
-                <a:cs typeface="Gisha" panose="020B0502040204020203" pitchFamily="34" charset="-79"/>
-              </a:rPr>
-              <a:t>Issac</a:t>
+              <a:t>My Name Is Spencer And I Play Issac</a:t>
             </a:r>
             <a:endParaRPr lang="he-IL" sz="8000" b="1" dirty="0">
               <a:ln w="28575">
@@ -3800,7 +3917,7 @@
     </p:spTree>
     <p:extLst>
       <p:ext uri="{BB962C8B-B14F-4D97-AF65-F5344CB8AC3E}">
-        <p14:creationId xmlns:p14="http://schemas.microsoft.com/office/powerpoint/2010/main" val="3993101094"/>
+        <p14:creationId xmlns:p14="http://schemas.microsoft.com/office/powerpoint/2010/main" val="336291785"/>
       </p:ext>
     </p:extLst>
   </p:cSld>
@@ -3827,36 +3944,58 @@
           <a:chExt cx="0" cy="0"/>
         </a:xfrm>
       </p:grpSpPr>
-      <p:pic>
-        <p:nvPicPr>
-          <p:cNvPr id="4" name="Picture 3"/>
-          <p:cNvPicPr>
-            <a:picLocks noChangeAspect="1"/>
-          </p:cNvPicPr>
+      <p:sp>
+        <p:nvSpPr>
+          <p:cNvPr id="3" name="Rectangle 2"/>
+          <p:cNvSpPr/>
           <p:nvPr/>
-        </p:nvPicPr>
-        <p:blipFill>
-          <a:blip r:embed="rId2">
-            <a:extLst>
-              <a:ext uri="{28A0092B-C50C-407E-A947-70E740481C1C}">
-                <a14:useLocalDpi xmlns:a14="http://schemas.microsoft.com/office/drawing/2010/main" val="0"/>
-              </a:ext>
-            </a:extLst>
-          </a:blip>
-          <a:stretch>
-            <a:fillRect/>
-          </a:stretch>
-        </p:blipFill>
+        </p:nvSpPr>
         <p:spPr>
           <a:xfrm>
-            <a:off x="2667000" y="0"/>
-            <a:ext cx="6858000" cy="6858000"/>
+            <a:off x="2663588" y="-6824"/>
+            <a:ext cx="6864824" cy="6864824"/>
           </a:xfrm>
           <a:prstGeom prst="rect">
             <a:avLst/>
           </a:prstGeom>
+          <a:blipFill dpi="0" rotWithShape="1">
+            <a:blip r:embed="rId2">
+              <a:alphaModFix amt="80000"/>
+            </a:blip>
+            <a:srcRect/>
+            <a:stretch>
+              <a:fillRect/>
+            </a:stretch>
+          </a:blipFill>
+          <a:ln>
+            <a:noFill/>
+          </a:ln>
         </p:spPr>
-      </p:pic>
+        <p:style>
+          <a:lnRef idx="2">
+            <a:schemeClr val="accent1">
+              <a:shade val="50000"/>
+            </a:schemeClr>
+          </a:lnRef>
+          <a:fillRef idx="1">
+            <a:schemeClr val="accent1"/>
+          </a:fillRef>
+          <a:effectRef idx="0">
+            <a:schemeClr val="accent1"/>
+          </a:effectRef>
+          <a:fontRef idx="minor">
+            <a:schemeClr val="lt1"/>
+          </a:fontRef>
+        </p:style>
+        <p:txBody>
+          <a:bodyPr rtlCol="1" anchor="ctr"/>
+          <a:lstStyle/>
+          <a:p>
+            <a:pPr algn="ctr"/>
+            <a:endParaRPr lang="he-IL"/>
+          </a:p>
+        </p:txBody>
+      </p:sp>
       <p:sp>
         <p:nvSpPr>
           <p:cNvPr id="5" name="TextBox 4"/>
@@ -3907,7 +4046,7 @@
     </p:spTree>
     <p:extLst>
       <p:ext uri="{BB962C8B-B14F-4D97-AF65-F5344CB8AC3E}">
-        <p14:creationId xmlns:p14="http://schemas.microsoft.com/office/powerpoint/2010/main" val="1300055277"/>
+        <p14:creationId xmlns:p14="http://schemas.microsoft.com/office/powerpoint/2010/main" val="745685688"/>
       </p:ext>
     </p:extLst>
   </p:cSld>
@@ -3934,45 +4073,68 @@
           <a:chExt cx="0" cy="0"/>
         </a:xfrm>
       </p:grpSpPr>
-      <p:pic>
-        <p:nvPicPr>
-          <p:cNvPr id="2" name="Picture 1"/>
-          <p:cNvPicPr>
-            <a:picLocks noChangeAspect="1"/>
-          </p:cNvPicPr>
+      <p:sp>
+        <p:nvSpPr>
+          <p:cNvPr id="3" name="Rectangle 2"/>
+          <p:cNvSpPr/>
           <p:nvPr/>
-        </p:nvPicPr>
-        <p:blipFill rotWithShape="1">
-          <a:blip r:embed="rId2">
-            <a:extLst>
-              <a:ext uri="{28A0092B-C50C-407E-A947-70E740481C1C}">
-                <a14:useLocalDpi xmlns:a14="http://schemas.microsoft.com/office/drawing/2010/main" val="0"/>
-              </a:ext>
-            </a:extLst>
-          </a:blip>
-          <a:srcRect l="19649" r="10789"/>
-          <a:stretch/>
-        </p:blipFill>
+        </p:nvSpPr>
         <p:spPr>
           <a:xfrm>
-            <a:off x="2667000" y="0"/>
-            <a:ext cx="6858000" cy="6858000"/>
+            <a:off x="2663588" y="-6824"/>
+            <a:ext cx="6864824" cy="6864824"/>
           </a:xfrm>
           <a:prstGeom prst="rect">
             <a:avLst/>
           </a:prstGeom>
+          <a:blipFill dpi="0" rotWithShape="1">
+            <a:blip r:embed="rId2">
+              <a:alphaModFix amt="60000"/>
+            </a:blip>
+            <a:srcRect/>
+            <a:stretch>
+              <a:fillRect/>
+            </a:stretch>
+          </a:blipFill>
+          <a:ln>
+            <a:noFill/>
+          </a:ln>
         </p:spPr>
-      </p:pic>
-      <p:sp>
-        <p:nvSpPr>
-          <p:cNvPr id="5" name="TextBox 4"/>
+        <p:style>
+          <a:lnRef idx="2">
+            <a:schemeClr val="accent1">
+              <a:shade val="50000"/>
+            </a:schemeClr>
+          </a:lnRef>
+          <a:fillRef idx="1">
+            <a:schemeClr val="accent1"/>
+          </a:fillRef>
+          <a:effectRef idx="0">
+            <a:schemeClr val="accent1"/>
+          </a:effectRef>
+          <a:fontRef idx="minor">
+            <a:schemeClr val="lt1"/>
+          </a:fontRef>
+        </p:style>
+        <p:txBody>
+          <a:bodyPr rtlCol="1" anchor="ctr"/>
+          <a:lstStyle/>
+          <a:p>
+            <a:pPr algn="ctr"/>
+            <a:endParaRPr lang="he-IL"/>
+          </a:p>
+        </p:txBody>
+      </p:sp>
+      <p:sp>
+        <p:nvSpPr>
+          <p:cNvPr id="4" name="TextBox 3"/>
           <p:cNvSpPr txBox="1"/>
           <p:nvPr/>
         </p:nvSpPr>
         <p:spPr>
           <a:xfrm>
-            <a:off x="2878327" y="2274838"/>
-            <a:ext cx="6435346" cy="2308324"/>
+            <a:off x="2770957" y="2148315"/>
+            <a:ext cx="6650085" cy="2554545"/>
           </a:xfrm>
           <a:prstGeom prst="rect">
             <a:avLst/>
@@ -3987,7 +4149,7 @@
           <a:p>
             <a:pPr algn="ctr" rtl="0"/>
             <a:r>
-              <a:rPr lang="en-US" sz="7200" b="1" dirty="0" smtClean="0">
+              <a:rPr lang="en-US" sz="8000" b="1" dirty="0" smtClean="0">
                 <a:ln w="28575">
                   <a:solidFill>
                     <a:schemeClr val="bg1"/>
@@ -3996,9 +4158,33 @@
                 <a:latin typeface="Gisha" panose="020B0502040204020203" pitchFamily="34" charset="-79"/>
                 <a:cs typeface="Gisha" panose="020B0502040204020203" pitchFamily="34" charset="-79"/>
               </a:rPr>
-              <a:t>Last But Not Least – Joshua</a:t>
-            </a:r>
-            <a:endParaRPr lang="he-IL" sz="7200" b="1" dirty="0">
+              <a:t>Last But Not </a:t>
+            </a:r>
+            <a:r>
+              <a:rPr lang="en-US" sz="8000" b="1" dirty="0" smtClean="0">
+                <a:ln w="28575">
+                  <a:solidFill>
+                    <a:schemeClr val="bg1"/>
+                  </a:solidFill>
+                </a:ln>
+                <a:latin typeface="Gisha" panose="020B0502040204020203" pitchFamily="34" charset="-79"/>
+                <a:cs typeface="Gisha" panose="020B0502040204020203" pitchFamily="34" charset="-79"/>
+              </a:rPr>
+              <a:t>Least, </a:t>
+            </a:r>
+            <a:r>
+              <a:rPr lang="en-US" sz="8000" b="1" dirty="0" smtClean="0">
+                <a:ln w="28575">
+                  <a:solidFill>
+                    <a:schemeClr val="bg1"/>
+                  </a:solidFill>
+                </a:ln>
+                <a:latin typeface="Gisha" panose="020B0502040204020203" pitchFamily="34" charset="-79"/>
+                <a:cs typeface="Gisha" panose="020B0502040204020203" pitchFamily="34" charset="-79"/>
+              </a:rPr>
+              <a:t>Joshua</a:t>
+            </a:r>
+            <a:endParaRPr lang="he-IL" sz="8000" b="1" dirty="0">
               <a:ln w="28575">
                 <a:solidFill>
                   <a:schemeClr val="bg1"/>
@@ -4013,13 +4199,20 @@
     </p:spTree>
     <p:extLst>
       <p:ext uri="{BB962C8B-B14F-4D97-AF65-F5344CB8AC3E}">
-        <p14:creationId xmlns:p14="http://schemas.microsoft.com/office/powerpoint/2010/main" val="1914949874"/>
+        <p14:creationId xmlns:p14="http://schemas.microsoft.com/office/powerpoint/2010/main" val="3237863214"/>
       </p:ext>
     </p:extLst>
   </p:cSld>
   <p:clrMapOvr>
     <a:masterClrMapping/>
   </p:clrMapOvr>
+  <p:timing>
+    <p:tnLst>
+      <p:par>
+        <p:cTn id="1" dur="indefinite" restart="never" nodeType="tmRoot"/>
+      </p:par>
+    </p:tnLst>
+  </p:timing>
 </p:sld>
 </file>
 
@@ -4040,53 +4233,74 @@
           <a:chExt cx="0" cy="0"/>
         </a:xfrm>
       </p:grpSpPr>
-      <p:pic>
-        <p:nvPicPr>
-          <p:cNvPr id="6" name="Picture 5"/>
-          <p:cNvPicPr>
-            <a:picLocks noChangeAspect="1"/>
-          </p:cNvPicPr>
+      <p:sp>
+        <p:nvSpPr>
+          <p:cNvPr id="3" name="Rectangle 2"/>
+          <p:cNvSpPr/>
           <p:nvPr/>
-        </p:nvPicPr>
-        <p:blipFill>
-          <a:blip r:embed="rId2">
-            <a:extLst>
-              <a:ext uri="{28A0092B-C50C-407E-A947-70E740481C1C}">
-                <a14:useLocalDpi xmlns:a14="http://schemas.microsoft.com/office/drawing/2010/main" val="0"/>
-              </a:ext>
-            </a:extLst>
-          </a:blip>
-          <a:stretch>
-            <a:fillRect/>
-          </a:stretch>
-        </p:blipFill>
+        </p:nvSpPr>
         <p:spPr>
           <a:xfrm>
-            <a:off x="2667000" y="0"/>
-            <a:ext cx="6858000" cy="6858000"/>
+            <a:off x="2663588" y="-6824"/>
+            <a:ext cx="6864824" cy="6864824"/>
+          </a:xfrm>
+          <a:prstGeom prst="rect">
+            <a:avLst/>
+          </a:prstGeom>
+          <a:blipFill dpi="0" rotWithShape="1">
+            <a:blip r:embed="rId2">
+              <a:alphaModFix amt="70000"/>
+            </a:blip>
+            <a:srcRect/>
+            <a:stretch>
+              <a:fillRect/>
+            </a:stretch>
+          </a:blipFill>
+          <a:ln>
+            <a:noFill/>
+          </a:ln>
+        </p:spPr>
+        <p:style>
+          <a:lnRef idx="2">
+            <a:schemeClr val="accent1">
+              <a:shade val="50000"/>
+            </a:schemeClr>
+          </a:lnRef>
+          <a:fillRef idx="1">
+            <a:schemeClr val="accent1"/>
+          </a:fillRef>
+          <a:effectRef idx="0">
+            <a:schemeClr val="accent1"/>
+          </a:effectRef>
+          <a:fontRef idx="minor">
+            <a:schemeClr val="lt1"/>
+          </a:fontRef>
+        </p:style>
+        <p:txBody>
+          <a:bodyPr rtlCol="1" anchor="ctr"/>
+          <a:lstStyle/>
+          <a:p>
+            <a:pPr algn="ctr"/>
+            <a:endParaRPr lang="he-IL"/>
+          </a:p>
+        </p:txBody>
+      </p:sp>
+      <p:sp>
+        <p:nvSpPr>
+          <p:cNvPr id="5" name="TextBox 4"/>
+          <p:cNvSpPr txBox="1"/>
+          <p:nvPr/>
+        </p:nvSpPr>
+        <p:spPr>
+          <a:xfrm>
+            <a:off x="2770957" y="1725122"/>
+            <a:ext cx="6650085" cy="3400931"/>
           </a:xfrm>
           <a:prstGeom prst="rect">
             <a:avLst/>
           </a:prstGeom>
           <a:noFill/>
         </p:spPr>
-      </p:pic>
-      <p:sp>
-        <p:nvSpPr>
-          <p:cNvPr id="5" name="TextBox 4"/>
-          <p:cNvSpPr txBox="1"/>
-          <p:nvPr/>
-        </p:nvSpPr>
-        <p:spPr>
-          <a:xfrm>
-            <a:off x="2878327" y="2151727"/>
-            <a:ext cx="6435346" cy="2554545"/>
-          </a:xfrm>
-          <a:prstGeom prst="rect">
-            <a:avLst/>
-          </a:prstGeom>
-          <a:noFill/>
-        </p:spPr>
         <p:txBody>
           <a:bodyPr wrap="square" rtlCol="1">
             <a:spAutoFit/>
@@ -4095,7 +4309,7 @@
           <a:p>
             <a:pPr algn="ctr" rtl="0"/>
             <a:r>
-              <a:rPr lang="en-US" sz="8000" b="1" dirty="0" smtClean="0">
+              <a:rPr lang="en-US" sz="11500" b="1" dirty="0" smtClean="0">
                 <a:ln w="28575">
                   <a:solidFill>
                     <a:schemeClr val="bg1"/>
@@ -4106,11 +4320,8 @@
               </a:rPr>
               <a:t>Hoowee</a:t>
             </a:r>
-          </a:p>
-          <a:p>
-            <a:pPr algn="ctr" rtl="0"/>
-            <a:r>
-              <a:rPr lang="en-US" sz="8000" b="1" dirty="0" smtClean="0">
+            <a:r>
+              <a:rPr lang="en-US" sz="9600" b="1" dirty="0" smtClean="0">
                 <a:ln w="28575">
                   <a:solidFill>
                     <a:schemeClr val="bg1"/>
@@ -4119,9 +4330,44 @@
                 <a:latin typeface="Gisha" panose="020B0502040204020203" pitchFamily="34" charset="-79"/>
                 <a:cs typeface="Gisha" panose="020B0502040204020203" pitchFamily="34" charset="-79"/>
               </a:rPr>
-              <a:t>Damn Girl</a:t>
-            </a:r>
-            <a:endParaRPr lang="he-IL" sz="8000" b="1" dirty="0">
+              <a:t/>
+            </a:r>
+            <a:br>
+              <a:rPr lang="en-US" sz="9600" b="1" dirty="0" smtClean="0">
+                <a:ln w="28575">
+                  <a:solidFill>
+                    <a:schemeClr val="bg1"/>
+                  </a:solidFill>
+                </a:ln>
+                <a:latin typeface="Gisha" panose="020B0502040204020203" pitchFamily="34" charset="-79"/>
+                <a:cs typeface="Gisha" panose="020B0502040204020203" pitchFamily="34" charset="-79"/>
+              </a:rPr>
+            </a:br>
+            <a:r>
+              <a:rPr lang="en-US" sz="10000" b="1" dirty="0" smtClean="0">
+                <a:ln w="28575">
+                  <a:solidFill>
+                    <a:schemeClr val="bg1"/>
+                  </a:solidFill>
+                </a:ln>
+                <a:latin typeface="Gisha" panose="020B0502040204020203" pitchFamily="34" charset="-79"/>
+                <a:cs typeface="Gisha" panose="020B0502040204020203" pitchFamily="34" charset="-79"/>
+              </a:rPr>
+              <a:t>Damn </a:t>
+            </a:r>
+            <a:r>
+              <a:rPr lang="en-US" sz="10000" b="1" dirty="0" smtClean="0">
+                <a:ln w="28575">
+                  <a:solidFill>
+                    <a:schemeClr val="bg1"/>
+                  </a:solidFill>
+                </a:ln>
+                <a:latin typeface="Gisha" panose="020B0502040204020203" pitchFamily="34" charset="-79"/>
+                <a:cs typeface="Gisha" panose="020B0502040204020203" pitchFamily="34" charset="-79"/>
+              </a:rPr>
+              <a:t>Girl</a:t>
+            </a:r>
+            <a:endParaRPr lang="he-IL" sz="10000" b="1" dirty="0">
               <a:ln w="28575">
                 <a:solidFill>
                   <a:schemeClr val="bg1"/>
@@ -4136,13 +4382,20 @@
     </p:spTree>
     <p:extLst>
       <p:ext uri="{BB962C8B-B14F-4D97-AF65-F5344CB8AC3E}">
-        <p14:creationId xmlns:p14="http://schemas.microsoft.com/office/powerpoint/2010/main" val="1802296492"/>
+        <p14:creationId xmlns:p14="http://schemas.microsoft.com/office/powerpoint/2010/main" val="3850392575"/>
       </p:ext>
     </p:extLst>
   </p:cSld>
   <p:clrMapOvr>
     <a:masterClrMapping/>
   </p:clrMapOvr>
+  <p:timing>
+    <p:tnLst>
+      <p:par>
+        <p:cTn id="1" dur="indefinite" restart="never" nodeType="tmRoot"/>
+      </p:par>
+    </p:tnLst>
+  </p:timing>
 </p:sld>
 </file>
 
@@ -4163,46 +4416,68 @@
           <a:chExt cx="0" cy="0"/>
         </a:xfrm>
       </p:grpSpPr>
-      <p:pic>
-        <p:nvPicPr>
-          <p:cNvPr id="4" name="Picture 3"/>
-          <p:cNvPicPr>
-            <a:picLocks noChangeAspect="1"/>
-          </p:cNvPicPr>
+      <p:sp>
+        <p:nvSpPr>
+          <p:cNvPr id="3" name="Rectangle 2"/>
+          <p:cNvSpPr/>
           <p:nvPr/>
-        </p:nvPicPr>
-        <p:blipFill>
-          <a:blip r:embed="rId2">
-            <a:extLst>
-              <a:ext uri="{28A0092B-C50C-407E-A947-70E740481C1C}">
-                <a14:useLocalDpi xmlns:a14="http://schemas.microsoft.com/office/drawing/2010/main" val="0"/>
-              </a:ext>
-            </a:extLst>
-          </a:blip>
-          <a:stretch>
-            <a:fillRect/>
-          </a:stretch>
-        </p:blipFill>
+        </p:nvSpPr>
         <p:spPr>
           <a:xfrm>
-            <a:off x="2667000" y="0"/>
-            <a:ext cx="6858000" cy="6858000"/>
+            <a:off x="2663588" y="-6824"/>
+            <a:ext cx="6864824" cy="6864824"/>
           </a:xfrm>
           <a:prstGeom prst="rect">
             <a:avLst/>
           </a:prstGeom>
+          <a:blipFill dpi="0" rotWithShape="1">
+            <a:blip r:embed="rId2">
+              <a:alphaModFix amt="80000"/>
+            </a:blip>
+            <a:srcRect/>
+            <a:stretch>
+              <a:fillRect/>
+            </a:stretch>
+          </a:blipFill>
+          <a:ln>
+            <a:noFill/>
+          </a:ln>
         </p:spPr>
-      </p:pic>
-      <p:sp>
-        <p:nvSpPr>
-          <p:cNvPr id="5" name="TextBox 4"/>
+        <p:style>
+          <a:lnRef idx="2">
+            <a:schemeClr val="accent1">
+              <a:shade val="50000"/>
+            </a:schemeClr>
+          </a:lnRef>
+          <a:fillRef idx="1">
+            <a:schemeClr val="accent1"/>
+          </a:fillRef>
+          <a:effectRef idx="0">
+            <a:schemeClr val="accent1"/>
+          </a:effectRef>
+          <a:fontRef idx="minor">
+            <a:schemeClr val="lt1"/>
+          </a:fontRef>
+        </p:style>
+        <p:txBody>
+          <a:bodyPr rtlCol="1" anchor="ctr"/>
+          <a:lstStyle/>
+          <a:p>
+            <a:pPr algn="ctr"/>
+            <a:endParaRPr lang="he-IL"/>
+          </a:p>
+        </p:txBody>
+      </p:sp>
+      <p:sp>
+        <p:nvSpPr>
+          <p:cNvPr id="4" name="TextBox 3"/>
           <p:cNvSpPr txBox="1"/>
           <p:nvPr/>
         </p:nvSpPr>
         <p:spPr>
           <a:xfrm>
-            <a:off x="2878327" y="2644170"/>
-            <a:ext cx="6435346" cy="1569660"/>
+            <a:off x="2878327" y="2317592"/>
+            <a:ext cx="6435346" cy="2215991"/>
           </a:xfrm>
           <a:prstGeom prst="rect">
             <a:avLst/>
@@ -4217,7 +4492,7 @@
           <a:p>
             <a:pPr algn="ctr" rtl="0"/>
             <a:r>
-              <a:rPr lang="en-US" sz="9600" b="1" dirty="0" smtClean="0">
+              <a:rPr lang="en-US" sz="13800" b="1" dirty="0" smtClean="0">
                 <a:ln w="28575">
                   <a:solidFill>
                     <a:schemeClr val="bg1"/>
@@ -4228,7 +4503,7 @@
               </a:rPr>
               <a:t>Oh My</a:t>
             </a:r>
-            <a:endParaRPr lang="he-IL" sz="9600" b="1" dirty="0">
+            <a:endParaRPr lang="he-IL" sz="13800" b="1" dirty="0">
               <a:ln w="28575">
                 <a:solidFill>
                   <a:schemeClr val="bg1"/>
@@ -4243,7 +4518,7 @@
     </p:spTree>
     <p:extLst>
       <p:ext uri="{BB962C8B-B14F-4D97-AF65-F5344CB8AC3E}">
-        <p14:creationId xmlns:p14="http://schemas.microsoft.com/office/powerpoint/2010/main" val="4266081805"/>
+        <p14:creationId xmlns:p14="http://schemas.microsoft.com/office/powerpoint/2010/main" val="1440745136"/>
       </p:ext>
     </p:extLst>
   </p:cSld>
@@ -4270,35 +4545,58 @@
           <a:chExt cx="0" cy="0"/>
         </a:xfrm>
       </p:grpSpPr>
-      <p:pic>
-        <p:nvPicPr>
-          <p:cNvPr id="7" name="Picture 6"/>
-          <p:cNvPicPr>
-            <a:picLocks noChangeAspect="1"/>
-          </p:cNvPicPr>
+      <p:sp>
+        <p:nvSpPr>
+          <p:cNvPr id="3" name="Rectangle 2"/>
+          <p:cNvSpPr/>
           <p:nvPr/>
-        </p:nvPicPr>
-        <p:blipFill rotWithShape="1">
-          <a:blip r:embed="rId2">
-            <a:extLst>
-              <a:ext uri="{28A0092B-C50C-407E-A947-70E740481C1C}">
-                <a14:useLocalDpi xmlns:a14="http://schemas.microsoft.com/office/drawing/2010/main" val="0"/>
-              </a:ext>
-            </a:extLst>
-          </a:blip>
-          <a:srcRect l="19649" r="10789"/>
-          <a:stretch/>
-        </p:blipFill>
+        </p:nvSpPr>
         <p:spPr>
           <a:xfrm>
-            <a:off x="2666999" y="0"/>
-            <a:ext cx="6858000" cy="6858000"/>
+            <a:off x="2663588" y="-6824"/>
+            <a:ext cx="6864824" cy="6864824"/>
           </a:xfrm>
           <a:prstGeom prst="rect">
             <a:avLst/>
           </a:prstGeom>
+          <a:blipFill dpi="0" rotWithShape="1">
+            <a:blip r:embed="rId2">
+              <a:alphaModFix amt="60000"/>
+            </a:blip>
+            <a:srcRect/>
+            <a:stretch>
+              <a:fillRect/>
+            </a:stretch>
+          </a:blipFill>
+          <a:ln>
+            <a:noFill/>
+          </a:ln>
         </p:spPr>
-      </p:pic>
+        <p:style>
+          <a:lnRef idx="2">
+            <a:schemeClr val="accent1">
+              <a:shade val="50000"/>
+            </a:schemeClr>
+          </a:lnRef>
+          <a:fillRef idx="1">
+            <a:schemeClr val="accent1"/>
+          </a:fillRef>
+          <a:effectRef idx="0">
+            <a:schemeClr val="accent1"/>
+          </a:effectRef>
+          <a:fontRef idx="minor">
+            <a:schemeClr val="lt1"/>
+          </a:fontRef>
+        </p:style>
+        <p:txBody>
+          <a:bodyPr rtlCol="1" anchor="ctr"/>
+          <a:lstStyle/>
+          <a:p>
+            <a:pPr algn="ctr"/>
+            <a:endParaRPr lang="he-IL"/>
+          </a:p>
+        </p:txBody>
+      </p:sp>
       <p:sp>
         <p:nvSpPr>
           <p:cNvPr id="5" name="TextBox 4"/>
@@ -4307,8 +4605,8 @@
         </p:nvSpPr>
         <p:spPr>
           <a:xfrm>
-            <a:off x="2914737" y="1536174"/>
-            <a:ext cx="6362523" cy="3785652"/>
+            <a:off x="2789163" y="1394262"/>
+            <a:ext cx="6613673" cy="4062651"/>
           </a:xfrm>
           <a:prstGeom prst="rect">
             <a:avLst/>
@@ -4323,7 +4621,7 @@
           <a:p>
             <a:pPr algn="ctr" rtl="0"/>
             <a:r>
-              <a:rPr lang="en-US" sz="8000" b="1" dirty="0" smtClean="0">
+              <a:rPr lang="en-US" sz="8800" b="1" dirty="0" smtClean="0">
                 <a:ln w="28575">
                   <a:solidFill>
                     <a:schemeClr val="bg1"/>
@@ -4335,7 +4633,7 @@
               <a:t>Can we</a:t>
             </a:r>
             <a:br>
-              <a:rPr lang="en-US" sz="8000" b="1" dirty="0" smtClean="0">
+              <a:rPr lang="en-US" sz="8800" b="1" dirty="0" smtClean="0">
                 <a:ln w="28575">
                   <a:solidFill>
                     <a:schemeClr val="bg1"/>
@@ -4346,7 +4644,7 @@
               </a:rPr>
             </a:br>
             <a:r>
-              <a:rPr lang="en-US" sz="8000" b="1" dirty="0" smtClean="0">
+              <a:rPr lang="en-US" sz="8800" b="1" dirty="0" smtClean="0">
                 <a:ln w="28575">
                   <a:solidFill>
                     <a:schemeClr val="bg1"/>
@@ -4355,10 +4653,10 @@
                 <a:latin typeface="Gisha" panose="020B0502040204020203" pitchFamily="34" charset="-79"/>
                 <a:cs typeface="Gisha" panose="020B0502040204020203" pitchFamily="34" charset="-79"/>
               </a:rPr>
-              <a:t>end this</a:t>
-            </a:r>
-            <a:br>
-              <a:rPr lang="en-US" sz="8000" b="1" dirty="0" smtClean="0">
+              <a:t>end </a:t>
+            </a:r>
+            <a:r>
+              <a:rPr lang="en-US" sz="8800" b="1" dirty="0" smtClean="0">
                 <a:ln w="28575">
                   <a:solidFill>
                     <a:schemeClr val="bg1"/>
@@ -4367,9 +4665,13 @@
                 <a:latin typeface="Gisha" panose="020B0502040204020203" pitchFamily="34" charset="-79"/>
                 <a:cs typeface="Gisha" panose="020B0502040204020203" pitchFamily="34" charset="-79"/>
               </a:rPr>
-            </a:br>
-            <a:r>
-              <a:rPr lang="en-US" sz="8000" b="1" dirty="0" smtClean="0">
+              <a:t>this</a:t>
+            </a:r>
+          </a:p>
+          <a:p>
+            <a:pPr algn="ctr" rtl="0"/>
+            <a:r>
+              <a:rPr lang="en-US" sz="8200" b="1" dirty="0" smtClean="0">
                 <a:ln w="28575">
                   <a:solidFill>
                     <a:schemeClr val="bg1"/>
@@ -4380,19 +4682,35 @@
               </a:rPr>
               <a:t>conversation</a:t>
             </a:r>
+            <a:endParaRPr lang="en-US" sz="8200" b="1" dirty="0" smtClean="0">
+              <a:ln w="28575">
+                <a:solidFill>
+                  <a:schemeClr val="bg1"/>
+                </a:solidFill>
+              </a:ln>
+              <a:latin typeface="Gisha" panose="020B0502040204020203" pitchFamily="34" charset="-79"/>
+              <a:cs typeface="Gisha" panose="020B0502040204020203" pitchFamily="34" charset="-79"/>
+            </a:endParaRPr>
           </a:p>
         </p:txBody>
       </p:sp>
     </p:spTree>
     <p:extLst>
       <p:ext uri="{BB962C8B-B14F-4D97-AF65-F5344CB8AC3E}">
-        <p14:creationId xmlns:p14="http://schemas.microsoft.com/office/powerpoint/2010/main" val="670492160"/>
+        <p14:creationId xmlns:p14="http://schemas.microsoft.com/office/powerpoint/2010/main" val="2633972789"/>
       </p:ext>
     </p:extLst>
   </p:cSld>
   <p:clrMapOvr>
     <a:masterClrMapping/>
   </p:clrMapOvr>
+  <p:timing>
+    <p:tnLst>
+      <p:par>
+        <p:cTn id="1" dur="indefinite" restart="never" nodeType="tmRoot"/>
+      </p:par>
+    </p:tnLst>
+  </p:timing>
 </p:sld>
 </file>
 
@@ -4413,46 +4731,67 @@
           <a:chExt cx="0" cy="0"/>
         </a:xfrm>
       </p:grpSpPr>
-      <p:pic>
-        <p:nvPicPr>
-          <p:cNvPr id="4" name="Picture 3"/>
-          <p:cNvPicPr>
-            <a:picLocks noChangeAspect="1"/>
-          </p:cNvPicPr>
+      <p:sp>
+        <p:nvSpPr>
+          <p:cNvPr id="4" name="Rectangle 3"/>
+          <p:cNvSpPr/>
           <p:nvPr/>
-        </p:nvPicPr>
-        <p:blipFill>
-          <a:blip r:embed="rId2">
-            <a:extLst>
-              <a:ext uri="{28A0092B-C50C-407E-A947-70E740481C1C}">
-                <a14:useLocalDpi xmlns:a14="http://schemas.microsoft.com/office/drawing/2010/main" val="0"/>
-              </a:ext>
-            </a:extLst>
-          </a:blip>
-          <a:stretch>
-            <a:fillRect/>
-          </a:stretch>
-        </p:blipFill>
+        </p:nvSpPr>
         <p:spPr>
           <a:xfrm>
-            <a:off x="2667000" y="0"/>
+            <a:off x="2568123" y="0"/>
             <a:ext cx="6858000" cy="6858000"/>
           </a:xfrm>
           <a:prstGeom prst="rect">
             <a:avLst/>
           </a:prstGeom>
+          <a:blipFill>
+            <a:blip r:embed="rId2">
+              <a:alphaModFix amt="80000"/>
+            </a:blip>
+            <a:stretch>
+              <a:fillRect/>
+            </a:stretch>
+          </a:blipFill>
+          <a:ln>
+            <a:noFill/>
+          </a:ln>
         </p:spPr>
-      </p:pic>
-      <p:sp>
-        <p:nvSpPr>
-          <p:cNvPr id="5" name="TextBox 4"/>
+        <p:style>
+          <a:lnRef idx="2">
+            <a:schemeClr val="accent1">
+              <a:shade val="50000"/>
+            </a:schemeClr>
+          </a:lnRef>
+          <a:fillRef idx="1">
+            <a:schemeClr val="accent1"/>
+          </a:fillRef>
+          <a:effectRef idx="0">
+            <a:schemeClr val="accent1"/>
+          </a:effectRef>
+          <a:fontRef idx="minor">
+            <a:schemeClr val="lt1"/>
+          </a:fontRef>
+        </p:style>
+        <p:txBody>
+          <a:bodyPr rtlCol="1" anchor="ctr"/>
+          <a:lstStyle/>
+          <a:p>
+            <a:pPr algn="ctr"/>
+            <a:endParaRPr lang="he-IL"/>
+          </a:p>
+        </p:txBody>
+      </p:sp>
+      <p:sp>
+        <p:nvSpPr>
+          <p:cNvPr id="6" name="TextBox 5"/>
           <p:cNvSpPr txBox="1"/>
           <p:nvPr/>
         </p:nvSpPr>
         <p:spPr>
           <a:xfrm>
-            <a:off x="3001174" y="1536174"/>
-            <a:ext cx="6189651" cy="3785652"/>
+            <a:off x="2731583" y="1351508"/>
+            <a:ext cx="6531080" cy="4154984"/>
           </a:xfrm>
           <a:prstGeom prst="rect">
             <a:avLst/>
@@ -4467,7 +4806,7 @@
           <a:p>
             <a:pPr algn="ctr" rtl="0"/>
             <a:r>
-              <a:rPr lang="en-US" sz="8000" b="1" dirty="0" smtClean="0">
+              <a:rPr lang="en-US" sz="8600" b="1" dirty="0" smtClean="0">
                 <a:ln w="28575">
                   <a:solidFill>
                     <a:schemeClr val="bg1"/>
@@ -4479,7 +4818,7 @@
               <a:t>I do what’s</a:t>
             </a:r>
             <a:br>
-              <a:rPr lang="en-US" sz="8000" b="1" dirty="0" smtClean="0">
+              <a:rPr lang="en-US" sz="8600" b="1" dirty="0" smtClean="0">
                 <a:ln w="28575">
                   <a:solidFill>
                     <a:schemeClr val="bg1"/>
@@ -4490,7 +4829,7 @@
               </a:rPr>
             </a:br>
             <a:r>
-              <a:rPr lang="en-US" sz="8000" b="1" dirty="0" smtClean="0">
+              <a:rPr lang="en-US" sz="8600" b="1" dirty="0" smtClean="0">
                 <a:ln w="28575">
                   <a:solidFill>
                     <a:schemeClr val="bg1"/>
@@ -4502,7 +4841,7 @@
               <a:t>familiar and</a:t>
             </a:r>
             <a:br>
-              <a:rPr lang="en-US" sz="8000" b="1" dirty="0" smtClean="0">
+              <a:rPr lang="en-US" sz="8600" b="1" dirty="0" smtClean="0">
                 <a:ln w="28575">
                   <a:solidFill>
                     <a:schemeClr val="bg1"/>
@@ -4513,7 +4852,7 @@
               </a:rPr>
             </a:br>
             <a:r>
-              <a:rPr lang="en-US" sz="8000" b="1" dirty="0" smtClean="0">
+              <a:rPr lang="en-US" sz="8600" b="1" dirty="0" smtClean="0">
                 <a:ln w="28575">
                   <a:solidFill>
                     <a:schemeClr val="bg1"/>
@@ -4530,7 +4869,7 @@
     </p:spTree>
     <p:extLst>
       <p:ext uri="{BB962C8B-B14F-4D97-AF65-F5344CB8AC3E}">
-        <p14:creationId xmlns:p14="http://schemas.microsoft.com/office/powerpoint/2010/main" val="2143698838"/>
+        <p14:creationId xmlns:p14="http://schemas.microsoft.com/office/powerpoint/2010/main" val="3292072448"/>
       </p:ext>
     </p:extLst>
   </p:cSld>
